--- a/Git-intro-lesson(day 1).pptx
+++ b/Git-intro-lesson(day 1).pptx
@@ -18,8 +18,8 @@
     <p:sldId id="262" r:id="rId9"/>
     <p:sldId id="264" r:id="rId10"/>
     <p:sldId id="265" r:id="rId11"/>
-    <p:sldId id="266" r:id="rId12"/>
-    <p:sldId id="267" r:id="rId13"/>
+    <p:sldId id="267" r:id="rId12"/>
+    <p:sldId id="266" r:id="rId13"/>
     <p:sldId id="268" r:id="rId14"/>
     <p:sldId id="269" r:id="rId15"/>
     <p:sldId id="270" r:id="rId16"/>
@@ -211,7 +211,7 @@
           <a:p>
             <a:fld id="{C3D52170-68FC-4982-8F47-B877B8BB21F4}" type="datetimeFigureOut">
               <a:rPr lang="en-GB" smtClean="0"/>
-              <a:t>29/01/2024</a:t>
+              <a:t>12/02/2024</a:t>
             </a:fld>
             <a:endParaRPr lang="en-GB"/>
           </a:p>
@@ -979,7 +979,7 @@
     </p:spTree>
     <p:extLst>
       <p:ext uri="{BB962C8B-B14F-4D97-AF65-F5344CB8AC3E}">
-        <p14:creationId xmlns:p14="http://schemas.microsoft.com/office/powerpoint/2010/main" val="3744215551"/>
+        <p14:creationId xmlns:p14="http://schemas.microsoft.com/office/powerpoint/2010/main" val="2737171518"/>
       </p:ext>
     </p:extLst>
   </p:cSld>
@@ -1063,7 +1063,7 @@
     </p:spTree>
     <p:extLst>
       <p:ext uri="{BB962C8B-B14F-4D97-AF65-F5344CB8AC3E}">
-        <p14:creationId xmlns:p14="http://schemas.microsoft.com/office/powerpoint/2010/main" val="2737171518"/>
+        <p14:creationId xmlns:p14="http://schemas.microsoft.com/office/powerpoint/2010/main" val="3744215551"/>
       </p:ext>
     </p:extLst>
   </p:cSld>
@@ -1372,7 +1372,7 @@
           <a:p>
             <a:fld id="{6FB2F65A-CA80-4036-A1DE-2EDF1F345BB4}" type="datetimeFigureOut">
               <a:rPr lang="en-GB" smtClean="0"/>
-              <a:t>29/01/2024</a:t>
+              <a:t>12/02/2024</a:t>
             </a:fld>
             <a:endParaRPr lang="en-GB"/>
           </a:p>
@@ -1542,7 +1542,7 @@
           <a:p>
             <a:fld id="{6FB2F65A-CA80-4036-A1DE-2EDF1F345BB4}" type="datetimeFigureOut">
               <a:rPr lang="en-GB" smtClean="0"/>
-              <a:t>29/01/2024</a:t>
+              <a:t>12/02/2024</a:t>
             </a:fld>
             <a:endParaRPr lang="en-GB"/>
           </a:p>
@@ -1722,7 +1722,7 @@
           <a:p>
             <a:fld id="{6FB2F65A-CA80-4036-A1DE-2EDF1F345BB4}" type="datetimeFigureOut">
               <a:rPr lang="en-GB" smtClean="0"/>
-              <a:t>29/01/2024</a:t>
+              <a:t>12/02/2024</a:t>
             </a:fld>
             <a:endParaRPr lang="en-GB"/>
           </a:p>
@@ -1892,7 +1892,7 @@
           <a:p>
             <a:fld id="{6FB2F65A-CA80-4036-A1DE-2EDF1F345BB4}" type="datetimeFigureOut">
               <a:rPr lang="en-GB" smtClean="0"/>
-              <a:t>29/01/2024</a:t>
+              <a:t>12/02/2024</a:t>
             </a:fld>
             <a:endParaRPr lang="en-GB"/>
           </a:p>
@@ -2138,7 +2138,7 @@
           <a:p>
             <a:fld id="{6FB2F65A-CA80-4036-A1DE-2EDF1F345BB4}" type="datetimeFigureOut">
               <a:rPr lang="en-GB" smtClean="0"/>
-              <a:t>29/01/2024</a:t>
+              <a:t>12/02/2024</a:t>
             </a:fld>
             <a:endParaRPr lang="en-GB"/>
           </a:p>
@@ -2370,7 +2370,7 @@
           <a:p>
             <a:fld id="{6FB2F65A-CA80-4036-A1DE-2EDF1F345BB4}" type="datetimeFigureOut">
               <a:rPr lang="en-GB" smtClean="0"/>
-              <a:t>29/01/2024</a:t>
+              <a:t>12/02/2024</a:t>
             </a:fld>
             <a:endParaRPr lang="en-GB"/>
           </a:p>
@@ -2737,7 +2737,7 @@
           <a:p>
             <a:fld id="{6FB2F65A-CA80-4036-A1DE-2EDF1F345BB4}" type="datetimeFigureOut">
               <a:rPr lang="en-GB" smtClean="0"/>
-              <a:t>29/01/2024</a:t>
+              <a:t>12/02/2024</a:t>
             </a:fld>
             <a:endParaRPr lang="en-GB"/>
           </a:p>
@@ -2855,7 +2855,7 @@
           <a:p>
             <a:fld id="{6FB2F65A-CA80-4036-A1DE-2EDF1F345BB4}" type="datetimeFigureOut">
               <a:rPr lang="en-GB" smtClean="0"/>
-              <a:t>29/01/2024</a:t>
+              <a:t>12/02/2024</a:t>
             </a:fld>
             <a:endParaRPr lang="en-GB"/>
           </a:p>
@@ -2950,7 +2950,7 @@
           <a:p>
             <a:fld id="{6FB2F65A-CA80-4036-A1DE-2EDF1F345BB4}" type="datetimeFigureOut">
               <a:rPr lang="en-GB" smtClean="0"/>
-              <a:t>29/01/2024</a:t>
+              <a:t>12/02/2024</a:t>
             </a:fld>
             <a:endParaRPr lang="en-GB"/>
           </a:p>
@@ -3227,7 +3227,7 @@
           <a:p>
             <a:fld id="{6FB2F65A-CA80-4036-A1DE-2EDF1F345BB4}" type="datetimeFigureOut">
               <a:rPr lang="en-GB" smtClean="0"/>
-              <a:t>29/01/2024</a:t>
+              <a:t>12/02/2024</a:t>
             </a:fld>
             <a:endParaRPr lang="en-GB"/>
           </a:p>
@@ -3484,7 +3484,7 @@
           <a:p>
             <a:fld id="{6FB2F65A-CA80-4036-A1DE-2EDF1F345BB4}" type="datetimeFigureOut">
               <a:rPr lang="en-GB" smtClean="0"/>
-              <a:t>29/01/2024</a:t>
+              <a:t>12/02/2024</a:t>
             </a:fld>
             <a:endParaRPr lang="en-GB"/>
           </a:p>
@@ -3697,7 +3697,7 @@
           <a:p>
             <a:fld id="{6FB2F65A-CA80-4036-A1DE-2EDF1F345BB4}" type="datetimeFigureOut">
               <a:rPr lang="en-GB" smtClean="0"/>
-              <a:t>29/01/2024</a:t>
+              <a:t>12/02/2024</a:t>
             </a:fld>
             <a:endParaRPr lang="en-GB"/>
           </a:p>
@@ -4328,6 +4328,231 @@
 <file path=ppt/slides/slide11.xml><?xml version="1.0" encoding="utf-8"?>
 <p:sld xmlns:a="http://schemas.openxmlformats.org/drawingml/2006/main" xmlns:r="http://schemas.openxmlformats.org/officeDocument/2006/relationships" xmlns:p="http://schemas.openxmlformats.org/presentationml/2006/main">
   <p:cSld>
+    <p:spTree>
+      <p:nvGrpSpPr>
+        <p:cNvPr id="1" name=""/>
+        <p:cNvGrpSpPr/>
+        <p:nvPr/>
+      </p:nvGrpSpPr>
+      <p:grpSpPr>
+        <a:xfrm>
+          <a:off x="0" y="0"/>
+          <a:ext cx="0" cy="0"/>
+          <a:chOff x="0" y="0"/>
+          <a:chExt cx="0" cy="0"/>
+        </a:xfrm>
+      </p:grpSpPr>
+      <p:sp>
+        <p:nvSpPr>
+          <p:cNvPr id="2" name="Title 1">
+            <a:extLst>
+              <a:ext uri="{FF2B5EF4-FFF2-40B4-BE49-F238E27FC236}">
+                <a16:creationId xmlns:a16="http://schemas.microsoft.com/office/drawing/2014/main" id="{48B95EA4-DEB0-735E-53DC-D07A22E36A44}"/>
+              </a:ext>
+            </a:extLst>
+          </p:cNvPr>
+          <p:cNvSpPr>
+            <a:spLocks noGrp="1"/>
+          </p:cNvSpPr>
+          <p:nvPr>
+            <p:ph type="title"/>
+          </p:nvPr>
+        </p:nvSpPr>
+        <p:spPr>
+          <a:xfrm>
+            <a:off x="838200" y="321582"/>
+            <a:ext cx="10515600" cy="1325563"/>
+          </a:xfrm>
+        </p:spPr>
+        <p:txBody>
+          <a:bodyPr/>
+          <a:lstStyle/>
+          <a:p>
+            <a:r>
+              <a:rPr lang="en-GB" dirty="0"/>
+              <a:t>Schedule</a:t>
+            </a:r>
+          </a:p>
+        </p:txBody>
+      </p:sp>
+      <p:sp>
+        <p:nvSpPr>
+          <p:cNvPr id="3" name="Content Placeholder 2">
+            <a:extLst>
+              <a:ext uri="{FF2B5EF4-FFF2-40B4-BE49-F238E27FC236}">
+                <a16:creationId xmlns:a16="http://schemas.microsoft.com/office/drawing/2014/main" id="{27AD7D2F-4212-4C5A-2688-2049AE45ACCE}"/>
+              </a:ext>
+            </a:extLst>
+          </p:cNvPr>
+          <p:cNvSpPr>
+            <a:spLocks noGrp="1"/>
+          </p:cNvSpPr>
+          <p:nvPr>
+            <p:ph idx="1"/>
+          </p:nvPr>
+        </p:nvSpPr>
+        <p:spPr>
+          <a:xfrm>
+            <a:off x="838200" y="1645557"/>
+            <a:ext cx="10515600" cy="4890861"/>
+          </a:xfrm>
+        </p:spPr>
+        <p:txBody>
+          <a:bodyPr>
+            <a:normAutofit fontScale="92500" lnSpcReduction="20000"/>
+          </a:bodyPr>
+          <a:lstStyle/>
+          <a:p>
+            <a:pPr marL="0" indent="0">
+              <a:buNone/>
+            </a:pPr>
+            <a:r>
+              <a:rPr lang="en-GB" dirty="0"/>
+              <a:t>13:30 – 13:45 Git Intro </a:t>
+            </a:r>
+          </a:p>
+          <a:p>
+            <a:pPr marL="0" indent="0">
+              <a:buNone/>
+            </a:pPr>
+            <a:endParaRPr lang="en-GB" dirty="0"/>
+          </a:p>
+          <a:p>
+            <a:pPr marL="0" indent="0">
+              <a:buNone/>
+            </a:pPr>
+            <a:r>
+              <a:rPr lang="en-GB" dirty="0"/>
+              <a:t>13:45- 14:30 Setting up a local Git : </a:t>
+            </a:r>
+          </a:p>
+          <a:p>
+            <a:pPr marL="0" indent="0">
+              <a:buNone/>
+            </a:pPr>
+            <a:r>
+              <a:rPr lang="en-GB" dirty="0"/>
+              <a:t>	Configuration and Initialization of a Git project</a:t>
+            </a:r>
+          </a:p>
+          <a:p>
+            <a:pPr marL="0" indent="0">
+              <a:buNone/>
+            </a:pPr>
+            <a:endParaRPr lang="en-GB" dirty="0"/>
+          </a:p>
+          <a:p>
+            <a:pPr marL="0" indent="0">
+              <a:buNone/>
+            </a:pPr>
+            <a:r>
+              <a:rPr lang="en-GB" dirty="0">
+                <a:highlight>
+                  <a:srgbClr val="FFFF00"/>
+                </a:highlight>
+              </a:rPr>
+              <a:t>14:30- 14:45 Break </a:t>
+            </a:r>
+          </a:p>
+          <a:p>
+            <a:pPr marL="0" indent="0">
+              <a:buNone/>
+            </a:pPr>
+            <a:endParaRPr lang="en-GB" dirty="0">
+              <a:highlight>
+                <a:srgbClr val="FFFF00"/>
+              </a:highlight>
+            </a:endParaRPr>
+          </a:p>
+          <a:p>
+            <a:pPr marL="0" indent="0">
+              <a:buNone/>
+            </a:pPr>
+            <a:r>
+              <a:rPr lang="en-GB" dirty="0"/>
+              <a:t>14:45- 15:45 Git cycle and Ignoring things  </a:t>
+            </a:r>
+          </a:p>
+          <a:p>
+            <a:pPr marL="0" indent="0">
+              <a:buNone/>
+            </a:pPr>
+            <a:endParaRPr lang="en-GB" dirty="0"/>
+          </a:p>
+          <a:p>
+            <a:pPr marL="0" indent="0">
+              <a:buNone/>
+            </a:pPr>
+            <a:r>
+              <a:rPr lang="en-GB" dirty="0">
+                <a:highlight>
+                  <a:srgbClr val="FFFF00"/>
+                </a:highlight>
+              </a:rPr>
+              <a:t>15:45-16:00 Break </a:t>
+            </a:r>
+          </a:p>
+          <a:p>
+            <a:pPr marL="0" indent="0">
+              <a:buNone/>
+            </a:pPr>
+            <a:endParaRPr lang="en-GB" dirty="0">
+              <a:highlight>
+                <a:srgbClr val="FFFF00"/>
+              </a:highlight>
+            </a:endParaRPr>
+          </a:p>
+          <a:p>
+            <a:pPr marL="0" indent="0">
+              <a:buNone/>
+            </a:pPr>
+            <a:r>
+              <a:rPr lang="en-GB" dirty="0"/>
+              <a:t>16:00-17:00 Exploring the history/Exercise. </a:t>
+            </a:r>
+            <a:r>
+              <a:rPr lang="en-GB" b="1" dirty="0"/>
+              <a:t>Concluding remarks </a:t>
+            </a:r>
+          </a:p>
+          <a:p>
+            <a:pPr marL="0" indent="0">
+              <a:buNone/>
+            </a:pPr>
+            <a:endParaRPr lang="en-GB" dirty="0">
+              <a:highlight>
+                <a:srgbClr val="FFFF00"/>
+              </a:highlight>
+            </a:endParaRPr>
+          </a:p>
+          <a:p>
+            <a:pPr marL="0" indent="0">
+              <a:buNone/>
+            </a:pPr>
+            <a:endParaRPr lang="en-GB" dirty="0">
+              <a:highlight>
+                <a:srgbClr val="FFFF00"/>
+              </a:highlight>
+            </a:endParaRPr>
+          </a:p>
+        </p:txBody>
+      </p:sp>
+    </p:spTree>
+    <p:extLst>
+      <p:ext uri="{BB962C8B-B14F-4D97-AF65-F5344CB8AC3E}">
+        <p14:creationId xmlns:p14="http://schemas.microsoft.com/office/powerpoint/2010/main" val="3752159924"/>
+      </p:ext>
+    </p:extLst>
+  </p:cSld>
+  <p:clrMapOvr>
+    <a:masterClrMapping/>
+  </p:clrMapOvr>
+</p:sld>
+</file>
+
+<file path=ppt/slides/slide12.xml><?xml version="1.0" encoding="utf-8"?>
+<p:sld xmlns:a="http://schemas.openxmlformats.org/drawingml/2006/main" xmlns:r="http://schemas.openxmlformats.org/officeDocument/2006/relationships" xmlns:p="http://schemas.openxmlformats.org/presentationml/2006/main">
+  <p:cSld>
     <p:bg>
       <p:bgPr>
         <a:solidFill>
@@ -5695,231 +5920,6 @@
     <p:extLst>
       <p:ext uri="{BB962C8B-B14F-4D97-AF65-F5344CB8AC3E}">
         <p14:creationId xmlns:p14="http://schemas.microsoft.com/office/powerpoint/2010/main" val="3678528958"/>
-      </p:ext>
-    </p:extLst>
-  </p:cSld>
-  <p:clrMapOvr>
-    <a:masterClrMapping/>
-  </p:clrMapOvr>
-</p:sld>
-</file>
-
-<file path=ppt/slides/slide12.xml><?xml version="1.0" encoding="utf-8"?>
-<p:sld xmlns:a="http://schemas.openxmlformats.org/drawingml/2006/main" xmlns:r="http://schemas.openxmlformats.org/officeDocument/2006/relationships" xmlns:p="http://schemas.openxmlformats.org/presentationml/2006/main">
-  <p:cSld>
-    <p:spTree>
-      <p:nvGrpSpPr>
-        <p:cNvPr id="1" name=""/>
-        <p:cNvGrpSpPr/>
-        <p:nvPr/>
-      </p:nvGrpSpPr>
-      <p:grpSpPr>
-        <a:xfrm>
-          <a:off x="0" y="0"/>
-          <a:ext cx="0" cy="0"/>
-          <a:chOff x="0" y="0"/>
-          <a:chExt cx="0" cy="0"/>
-        </a:xfrm>
-      </p:grpSpPr>
-      <p:sp>
-        <p:nvSpPr>
-          <p:cNvPr id="2" name="Title 1">
-            <a:extLst>
-              <a:ext uri="{FF2B5EF4-FFF2-40B4-BE49-F238E27FC236}">
-                <a16:creationId xmlns:a16="http://schemas.microsoft.com/office/drawing/2014/main" id="{48B95EA4-DEB0-735E-53DC-D07A22E36A44}"/>
-              </a:ext>
-            </a:extLst>
-          </p:cNvPr>
-          <p:cNvSpPr>
-            <a:spLocks noGrp="1"/>
-          </p:cNvSpPr>
-          <p:nvPr>
-            <p:ph type="title"/>
-          </p:nvPr>
-        </p:nvSpPr>
-        <p:spPr>
-          <a:xfrm>
-            <a:off x="838200" y="321582"/>
-            <a:ext cx="10515600" cy="1325563"/>
-          </a:xfrm>
-        </p:spPr>
-        <p:txBody>
-          <a:bodyPr/>
-          <a:lstStyle/>
-          <a:p>
-            <a:r>
-              <a:rPr lang="en-GB" dirty="0"/>
-              <a:t>Schedule</a:t>
-            </a:r>
-          </a:p>
-        </p:txBody>
-      </p:sp>
-      <p:sp>
-        <p:nvSpPr>
-          <p:cNvPr id="3" name="Content Placeholder 2">
-            <a:extLst>
-              <a:ext uri="{FF2B5EF4-FFF2-40B4-BE49-F238E27FC236}">
-                <a16:creationId xmlns:a16="http://schemas.microsoft.com/office/drawing/2014/main" id="{27AD7D2F-4212-4C5A-2688-2049AE45ACCE}"/>
-              </a:ext>
-            </a:extLst>
-          </p:cNvPr>
-          <p:cNvSpPr>
-            <a:spLocks noGrp="1"/>
-          </p:cNvSpPr>
-          <p:nvPr>
-            <p:ph idx="1"/>
-          </p:nvPr>
-        </p:nvSpPr>
-        <p:spPr>
-          <a:xfrm>
-            <a:off x="838200" y="1645557"/>
-            <a:ext cx="10515600" cy="4890861"/>
-          </a:xfrm>
-        </p:spPr>
-        <p:txBody>
-          <a:bodyPr>
-            <a:normAutofit fontScale="92500" lnSpcReduction="20000"/>
-          </a:bodyPr>
-          <a:lstStyle/>
-          <a:p>
-            <a:pPr marL="0" indent="0">
-              <a:buNone/>
-            </a:pPr>
-            <a:r>
-              <a:rPr lang="en-GB" dirty="0"/>
-              <a:t>13:30 – 13:45 Git Intro </a:t>
-            </a:r>
-          </a:p>
-          <a:p>
-            <a:pPr marL="0" indent="0">
-              <a:buNone/>
-            </a:pPr>
-            <a:endParaRPr lang="en-GB" dirty="0"/>
-          </a:p>
-          <a:p>
-            <a:pPr marL="0" indent="0">
-              <a:buNone/>
-            </a:pPr>
-            <a:r>
-              <a:rPr lang="en-GB" dirty="0"/>
-              <a:t>13:45- 14:30 Setting up a local Git : </a:t>
-            </a:r>
-          </a:p>
-          <a:p>
-            <a:pPr marL="0" indent="0">
-              <a:buNone/>
-            </a:pPr>
-            <a:r>
-              <a:rPr lang="en-GB" dirty="0"/>
-              <a:t>	Configuration and Initialization of a Git project</a:t>
-            </a:r>
-          </a:p>
-          <a:p>
-            <a:pPr marL="0" indent="0">
-              <a:buNone/>
-            </a:pPr>
-            <a:endParaRPr lang="en-GB" dirty="0"/>
-          </a:p>
-          <a:p>
-            <a:pPr marL="0" indent="0">
-              <a:buNone/>
-            </a:pPr>
-            <a:r>
-              <a:rPr lang="en-GB" dirty="0">
-                <a:highlight>
-                  <a:srgbClr val="FFFF00"/>
-                </a:highlight>
-              </a:rPr>
-              <a:t>14:30- 14:45 Break </a:t>
-            </a:r>
-          </a:p>
-          <a:p>
-            <a:pPr marL="0" indent="0">
-              <a:buNone/>
-            </a:pPr>
-            <a:endParaRPr lang="en-GB" dirty="0">
-              <a:highlight>
-                <a:srgbClr val="FFFF00"/>
-              </a:highlight>
-            </a:endParaRPr>
-          </a:p>
-          <a:p>
-            <a:pPr marL="0" indent="0">
-              <a:buNone/>
-            </a:pPr>
-            <a:r>
-              <a:rPr lang="en-GB" dirty="0"/>
-              <a:t>14:45- 15:45 Git cycle and Ignoring things  </a:t>
-            </a:r>
-          </a:p>
-          <a:p>
-            <a:pPr marL="0" indent="0">
-              <a:buNone/>
-            </a:pPr>
-            <a:endParaRPr lang="en-GB" dirty="0"/>
-          </a:p>
-          <a:p>
-            <a:pPr marL="0" indent="0">
-              <a:buNone/>
-            </a:pPr>
-            <a:r>
-              <a:rPr lang="en-GB" dirty="0">
-                <a:highlight>
-                  <a:srgbClr val="FFFF00"/>
-                </a:highlight>
-              </a:rPr>
-              <a:t>15:45-16:00 Break </a:t>
-            </a:r>
-          </a:p>
-          <a:p>
-            <a:pPr marL="0" indent="0">
-              <a:buNone/>
-            </a:pPr>
-            <a:endParaRPr lang="en-GB" dirty="0">
-              <a:highlight>
-                <a:srgbClr val="FFFF00"/>
-              </a:highlight>
-            </a:endParaRPr>
-          </a:p>
-          <a:p>
-            <a:pPr marL="0" indent="0">
-              <a:buNone/>
-            </a:pPr>
-            <a:r>
-              <a:rPr lang="en-GB" dirty="0"/>
-              <a:t>16:00-17:00 Exploring the history/Exercise. </a:t>
-            </a:r>
-            <a:r>
-              <a:rPr lang="en-GB" b="1" dirty="0"/>
-              <a:t>Concluding remarks </a:t>
-            </a:r>
-          </a:p>
-          <a:p>
-            <a:pPr marL="0" indent="0">
-              <a:buNone/>
-            </a:pPr>
-            <a:endParaRPr lang="en-GB" dirty="0">
-              <a:highlight>
-                <a:srgbClr val="FFFF00"/>
-              </a:highlight>
-            </a:endParaRPr>
-          </a:p>
-          <a:p>
-            <a:pPr marL="0" indent="0">
-              <a:buNone/>
-            </a:pPr>
-            <a:endParaRPr lang="en-GB" dirty="0">
-              <a:highlight>
-                <a:srgbClr val="FFFF00"/>
-              </a:highlight>
-            </a:endParaRPr>
-          </a:p>
-        </p:txBody>
-      </p:sp>
-    </p:spTree>
-    <p:extLst>
-      <p:ext uri="{BB962C8B-B14F-4D97-AF65-F5344CB8AC3E}">
-        <p14:creationId xmlns:p14="http://schemas.microsoft.com/office/powerpoint/2010/main" val="3752159924"/>
       </p:ext>
     </p:extLst>
   </p:cSld>

--- a/Git-intro-lesson(day 1).pptx
+++ b/Git-intro-lesson(day 1).pptx
@@ -5,7 +5,7 @@
     <p:sldMasterId id="2147483660" r:id="rId1"/>
   </p:sldMasterIdLst>
   <p:notesMasterIdLst>
-    <p:notesMasterId r:id="rId17"/>
+    <p:notesMasterId r:id="rId19"/>
   </p:notesMasterIdLst>
   <p:sldIdLst>
     <p:sldId id="256" r:id="rId2"/>
@@ -21,8 +21,10 @@
     <p:sldId id="267" r:id="rId12"/>
     <p:sldId id="266" r:id="rId13"/>
     <p:sldId id="268" r:id="rId14"/>
-    <p:sldId id="269" r:id="rId15"/>
-    <p:sldId id="270" r:id="rId16"/>
+    <p:sldId id="272" r:id="rId15"/>
+    <p:sldId id="271" r:id="rId16"/>
+    <p:sldId id="269" r:id="rId17"/>
+    <p:sldId id="270" r:id="rId18"/>
   </p:sldIdLst>
   <p:sldSz cx="12192000" cy="6858000"/>
   <p:notesSz cx="6858000" cy="9144000"/>
@@ -211,7 +213,7 @@
           <a:p>
             <a:fld id="{C3D52170-68FC-4982-8F47-B877B8BB21F4}" type="datetimeFigureOut">
               <a:rPr lang="en-GB" smtClean="0"/>
-              <a:t>12/02/2024</a:t>
+              <a:t>20/02/2024</a:t>
             </a:fld>
             <a:endParaRPr lang="en-GB"/>
           </a:p>
@@ -563,6 +565,90 @@
 </p:notes>
 </file>
 
+<file path=ppt/notesSlides/notesSlide10.xml><?xml version="1.0" encoding="utf-8"?>
+<p:notes xmlns:a="http://schemas.openxmlformats.org/drawingml/2006/main" xmlns:r="http://schemas.openxmlformats.org/officeDocument/2006/relationships" xmlns:p="http://schemas.openxmlformats.org/presentationml/2006/main">
+  <p:cSld>
+    <p:spTree>
+      <p:nvGrpSpPr>
+        <p:cNvPr id="1" name=""/>
+        <p:cNvGrpSpPr/>
+        <p:nvPr/>
+      </p:nvGrpSpPr>
+      <p:grpSpPr>
+        <a:xfrm>
+          <a:off x="0" y="0"/>
+          <a:ext cx="0" cy="0"/>
+          <a:chOff x="0" y="0"/>
+          <a:chExt cx="0" cy="0"/>
+        </a:xfrm>
+      </p:grpSpPr>
+      <p:sp>
+        <p:nvSpPr>
+          <p:cNvPr id="2" name="Slide Image Placeholder 1"/>
+          <p:cNvSpPr>
+            <a:spLocks noGrp="1" noRot="1" noChangeAspect="1"/>
+          </p:cNvSpPr>
+          <p:nvPr>
+            <p:ph type="sldImg"/>
+          </p:nvPr>
+        </p:nvSpPr>
+        <p:spPr/>
+      </p:sp>
+      <p:sp>
+        <p:nvSpPr>
+          <p:cNvPr id="3" name="Notes Placeholder 2"/>
+          <p:cNvSpPr>
+            <a:spLocks noGrp="1"/>
+          </p:cNvSpPr>
+          <p:nvPr>
+            <p:ph type="body" idx="1"/>
+          </p:nvPr>
+        </p:nvSpPr>
+        <p:spPr/>
+        <p:txBody>
+          <a:bodyPr/>
+          <a:lstStyle/>
+          <a:p>
+            <a:endParaRPr lang="en-GB" dirty="0"/>
+          </a:p>
+        </p:txBody>
+      </p:sp>
+      <p:sp>
+        <p:nvSpPr>
+          <p:cNvPr id="4" name="Slide Number Placeholder 3"/>
+          <p:cNvSpPr>
+            <a:spLocks noGrp="1"/>
+          </p:cNvSpPr>
+          <p:nvPr>
+            <p:ph type="sldNum" sz="quarter" idx="5"/>
+          </p:nvPr>
+        </p:nvSpPr>
+        <p:spPr/>
+        <p:txBody>
+          <a:bodyPr/>
+          <a:lstStyle/>
+          <a:p>
+            <a:fld id="{B58D2192-E6A5-47BF-A709-313BD836E114}" type="slidenum">
+              <a:rPr lang="en-GB" smtClean="0"/>
+              <a:t>17</a:t>
+            </a:fld>
+            <a:endParaRPr lang="en-GB"/>
+          </a:p>
+        </p:txBody>
+      </p:sp>
+    </p:spTree>
+    <p:extLst>
+      <p:ext uri="{BB962C8B-B14F-4D97-AF65-F5344CB8AC3E}">
+        <p14:creationId xmlns:p14="http://schemas.microsoft.com/office/powerpoint/2010/main" val="113957373"/>
+      </p:ext>
+    </p:extLst>
+  </p:cSld>
+  <p:clrMapOvr>
+    <a:masterClrMapping/>
+  </p:clrMapOvr>
+</p:notes>
+</file>
+
 <file path=ppt/notesSlides/notesSlide2.xml><?xml version="1.0" encoding="utf-8"?>
 <p:notes xmlns:a="http://schemas.openxmlformats.org/drawingml/2006/main" xmlns:r="http://schemas.openxmlformats.org/officeDocument/2006/relationships" xmlns:p="http://schemas.openxmlformats.org/presentationml/2006/main">
   <p:cSld>
@@ -1147,7 +1233,7 @@
     </p:spTree>
     <p:extLst>
       <p:ext uri="{BB962C8B-B14F-4D97-AF65-F5344CB8AC3E}">
-        <p14:creationId xmlns:p14="http://schemas.microsoft.com/office/powerpoint/2010/main" val="3528775748"/>
+        <p14:creationId xmlns:p14="http://schemas.microsoft.com/office/powerpoint/2010/main" val="1770748157"/>
       </p:ext>
     </p:extLst>
   </p:cSld>
@@ -1222,7 +1308,7 @@
           <a:p>
             <a:fld id="{B58D2192-E6A5-47BF-A709-313BD836E114}" type="slidenum">
               <a:rPr lang="en-GB" smtClean="0"/>
-              <a:t>15</a:t>
+              <a:t>16</a:t>
             </a:fld>
             <a:endParaRPr lang="en-GB"/>
           </a:p>
@@ -1231,7 +1317,7 @@
     </p:spTree>
     <p:extLst>
       <p:ext uri="{BB962C8B-B14F-4D97-AF65-F5344CB8AC3E}">
-        <p14:creationId xmlns:p14="http://schemas.microsoft.com/office/powerpoint/2010/main" val="113957373"/>
+        <p14:creationId xmlns:p14="http://schemas.microsoft.com/office/powerpoint/2010/main" val="3528775748"/>
       </p:ext>
     </p:extLst>
   </p:cSld>
@@ -1372,7 +1458,7 @@
           <a:p>
             <a:fld id="{6FB2F65A-CA80-4036-A1DE-2EDF1F345BB4}" type="datetimeFigureOut">
               <a:rPr lang="en-GB" smtClean="0"/>
-              <a:t>12/02/2024</a:t>
+              <a:t>20/02/2024</a:t>
             </a:fld>
             <a:endParaRPr lang="en-GB"/>
           </a:p>
@@ -1542,7 +1628,7 @@
           <a:p>
             <a:fld id="{6FB2F65A-CA80-4036-A1DE-2EDF1F345BB4}" type="datetimeFigureOut">
               <a:rPr lang="en-GB" smtClean="0"/>
-              <a:t>12/02/2024</a:t>
+              <a:t>20/02/2024</a:t>
             </a:fld>
             <a:endParaRPr lang="en-GB"/>
           </a:p>
@@ -1722,7 +1808,7 @@
           <a:p>
             <a:fld id="{6FB2F65A-CA80-4036-A1DE-2EDF1F345BB4}" type="datetimeFigureOut">
               <a:rPr lang="en-GB" smtClean="0"/>
-              <a:t>12/02/2024</a:t>
+              <a:t>20/02/2024</a:t>
             </a:fld>
             <a:endParaRPr lang="en-GB"/>
           </a:p>
@@ -1892,7 +1978,7 @@
           <a:p>
             <a:fld id="{6FB2F65A-CA80-4036-A1DE-2EDF1F345BB4}" type="datetimeFigureOut">
               <a:rPr lang="en-GB" smtClean="0"/>
-              <a:t>12/02/2024</a:t>
+              <a:t>20/02/2024</a:t>
             </a:fld>
             <a:endParaRPr lang="en-GB"/>
           </a:p>
@@ -2138,7 +2224,7 @@
           <a:p>
             <a:fld id="{6FB2F65A-CA80-4036-A1DE-2EDF1F345BB4}" type="datetimeFigureOut">
               <a:rPr lang="en-GB" smtClean="0"/>
-              <a:t>12/02/2024</a:t>
+              <a:t>20/02/2024</a:t>
             </a:fld>
             <a:endParaRPr lang="en-GB"/>
           </a:p>
@@ -2370,7 +2456,7 @@
           <a:p>
             <a:fld id="{6FB2F65A-CA80-4036-A1DE-2EDF1F345BB4}" type="datetimeFigureOut">
               <a:rPr lang="en-GB" smtClean="0"/>
-              <a:t>12/02/2024</a:t>
+              <a:t>20/02/2024</a:t>
             </a:fld>
             <a:endParaRPr lang="en-GB"/>
           </a:p>
@@ -2737,7 +2823,7 @@
           <a:p>
             <a:fld id="{6FB2F65A-CA80-4036-A1DE-2EDF1F345BB4}" type="datetimeFigureOut">
               <a:rPr lang="en-GB" smtClean="0"/>
-              <a:t>12/02/2024</a:t>
+              <a:t>20/02/2024</a:t>
             </a:fld>
             <a:endParaRPr lang="en-GB"/>
           </a:p>
@@ -2855,7 +2941,7 @@
           <a:p>
             <a:fld id="{6FB2F65A-CA80-4036-A1DE-2EDF1F345BB4}" type="datetimeFigureOut">
               <a:rPr lang="en-GB" smtClean="0"/>
-              <a:t>12/02/2024</a:t>
+              <a:t>20/02/2024</a:t>
             </a:fld>
             <a:endParaRPr lang="en-GB"/>
           </a:p>
@@ -2950,7 +3036,7 @@
           <a:p>
             <a:fld id="{6FB2F65A-CA80-4036-A1DE-2EDF1F345BB4}" type="datetimeFigureOut">
               <a:rPr lang="en-GB" smtClean="0"/>
-              <a:t>12/02/2024</a:t>
+              <a:t>20/02/2024</a:t>
             </a:fld>
             <a:endParaRPr lang="en-GB"/>
           </a:p>
@@ -3227,7 +3313,7 @@
           <a:p>
             <a:fld id="{6FB2F65A-CA80-4036-A1DE-2EDF1F345BB4}" type="datetimeFigureOut">
               <a:rPr lang="en-GB" smtClean="0"/>
-              <a:t>12/02/2024</a:t>
+              <a:t>20/02/2024</a:t>
             </a:fld>
             <a:endParaRPr lang="en-GB"/>
           </a:p>
@@ -3484,7 +3570,7 @@
           <a:p>
             <a:fld id="{6FB2F65A-CA80-4036-A1DE-2EDF1F345BB4}" type="datetimeFigureOut">
               <a:rPr lang="en-GB" smtClean="0"/>
-              <a:t>12/02/2024</a:t>
+              <a:t>20/02/2024</a:t>
             </a:fld>
             <a:endParaRPr lang="en-GB"/>
           </a:p>
@@ -3697,7 +3783,7 @@
           <a:p>
             <a:fld id="{6FB2F65A-CA80-4036-A1DE-2EDF1F345BB4}" type="datetimeFigureOut">
               <a:rPr lang="en-GB" smtClean="0"/>
-              <a:t>12/02/2024</a:t>
+              <a:t>20/02/2024</a:t>
             </a:fld>
             <a:endParaRPr lang="en-GB"/>
           </a:p>
@@ -4110,35 +4196,6 @@
           <a:chExt cx="0" cy="0"/>
         </a:xfrm>
       </p:grpSpPr>
-      <p:pic>
-        <p:nvPicPr>
-          <p:cNvPr id="4" name="Picture 3" descr="A rainbow colored splatter&#10;&#10;Description automatically generated">
-            <a:extLst>
-              <a:ext uri="{FF2B5EF4-FFF2-40B4-BE49-F238E27FC236}">
-                <a16:creationId xmlns:a16="http://schemas.microsoft.com/office/drawing/2014/main" id="{E2AD1F5B-C74A-4B1A-74EF-1FDE9C0F994A}"/>
-              </a:ext>
-            </a:extLst>
-          </p:cNvPr>
-          <p:cNvPicPr>
-            <a:picLocks noChangeAspect="1"/>
-          </p:cNvPicPr>
-          <p:nvPr/>
-        </p:nvPicPr>
-        <p:blipFill rotWithShape="1">
-          <a:blip r:embed="rId3"/>
-          <a:srcRect t="1747"/>
-          <a:stretch/>
-        </p:blipFill>
-        <p:spPr>
-          <a:xfrm>
-            <a:off x="-3047" y="10"/>
-            <a:ext cx="12191999" cy="6857990"/>
-          </a:xfrm>
-          <a:prstGeom prst="rect">
-            <a:avLst/>
-          </a:prstGeom>
-        </p:spPr>
-      </p:pic>
       <p:sp>
         <p:nvSpPr>
           <p:cNvPr id="2" name="Title 1">
@@ -4152,13 +4209,13 @@
             <a:spLocks noGrp="1"/>
           </p:cNvSpPr>
           <p:nvPr>
-            <p:ph type="ctrTitle"/>
+            <p:ph type="ctrTitle" idx="4294967295"/>
           </p:nvPr>
         </p:nvSpPr>
         <p:spPr>
           <a:xfrm>
-            <a:off x="1097280" y="325550"/>
-            <a:ext cx="10058400" cy="3574778"/>
+            <a:off x="228601" y="1751467"/>
+            <a:ext cx="4659085" cy="3575050"/>
           </a:xfrm>
           <a:effectLst>
             <a:outerShdw blurRad="50800" dist="38100" dir="2700000" algn="tl" rotWithShape="0">
@@ -4181,6 +4238,53 @@
           </a:p>
         </p:txBody>
       </p:sp>
+      <p:pic>
+        <p:nvPicPr>
+          <p:cNvPr id="1026" name="Picture 2" descr="Academic Benefits of Using git and GitHub | Walking Randomly">
+            <a:extLst>
+              <a:ext uri="{FF2B5EF4-FFF2-40B4-BE49-F238E27FC236}">
+                <a16:creationId xmlns:a16="http://schemas.microsoft.com/office/drawing/2014/main" id="{24F53364-E512-F65B-DCAD-FD9C930BA288}"/>
+              </a:ext>
+            </a:extLst>
+          </p:cNvPr>
+          <p:cNvPicPr>
+            <a:picLocks noChangeAspect="1" noChangeArrowheads="1"/>
+          </p:cNvPicPr>
+          <p:nvPr/>
+        </p:nvPicPr>
+        <p:blipFill>
+          <a:blip r:embed="rId3">
+            <a:extLst>
+              <a:ext uri="{28A0092B-C50C-407E-A947-70E740481C1C}">
+                <a14:useLocalDpi xmlns:a14="http://schemas.microsoft.com/office/drawing/2010/main" val="0"/>
+              </a:ext>
+            </a:extLst>
+          </a:blip>
+          <a:srcRect/>
+          <a:stretch>
+            <a:fillRect/>
+          </a:stretch>
+        </p:blipFill>
+        <p:spPr bwMode="auto">
+          <a:xfrm>
+            <a:off x="5334000" y="0"/>
+            <a:ext cx="6858000" cy="6858000"/>
+          </a:xfrm>
+          <a:prstGeom prst="rect">
+            <a:avLst/>
+          </a:prstGeom>
+          <a:noFill/>
+          <a:extLst>
+            <a:ext uri="{909E8E84-426E-40DD-AFC4-6F175D3DCCD1}">
+              <a14:hiddenFill xmlns:a14="http://schemas.microsoft.com/office/drawing/2010/main">
+                <a:solidFill>
+                  <a:srgbClr val="FFFFFF"/>
+                </a:solidFill>
+              </a14:hiddenFill>
+            </a:ext>
+          </a:extLst>
+        </p:spPr>
+      </p:pic>
     </p:spTree>
     <p:extLst>
       <p:ext uri="{BB962C8B-B14F-4D97-AF65-F5344CB8AC3E}">
@@ -4302,12 +4406,8 @@
               <a:buChar char="•"/>
             </a:pPr>
             <a:r>
-              <a:rPr lang="en-GB" sz="3200" dirty="0" err="1"/>
-              <a:t>Github</a:t>
-            </a:r>
-            <a:r>
               <a:rPr lang="en-GB" sz="3200" dirty="0"/>
-              <a:t> account </a:t>
+              <a:t>GitHub account </a:t>
             </a:r>
           </a:p>
         </p:txBody>
@@ -4399,7 +4499,7 @@
         </p:spPr>
         <p:txBody>
           <a:bodyPr>
-            <a:normAutofit fontScale="92500" lnSpcReduction="20000"/>
+            <a:normAutofit fontScale="77500" lnSpcReduction="20000"/>
           </a:bodyPr>
           <a:lstStyle/>
           <a:p>
@@ -4470,7 +4570,17 @@
             </a:pPr>
             <a:r>
               <a:rPr lang="en-GB" dirty="0"/>
-              <a:t>14:45- 15:45 Git cycle and Ignoring things  </a:t>
+              <a:t>14:45- 15:45 Git cycle and Ignoring things </a:t>
+            </a:r>
+            <a:endParaRPr lang="en-GB" b="1" dirty="0"/>
+          </a:p>
+          <a:p>
+            <a:pPr marL="0" indent="0">
+              <a:buNone/>
+            </a:pPr>
+            <a:r>
+              <a:rPr lang="en-GB" dirty="0"/>
+              <a:t>15:30-15:45 Exercise in breakout rooms</a:t>
             </a:r>
           </a:p>
           <a:p>
@@ -4508,7 +4618,7 @@
             </a:pPr>
             <a:r>
               <a:rPr lang="en-GB" dirty="0"/>
-              <a:t>16:00-17:00 Exploring the history/Exercise. </a:t>
+              <a:t>16:00-17:00 Exploring the history. </a:t>
             </a:r>
             <a:r>
               <a:rPr lang="en-GB" b="1" dirty="0"/>
@@ -6058,6 +6168,325 @@
           <a:chExt cx="0" cy="0"/>
         </a:xfrm>
       </p:grpSpPr>
+      <p:pic>
+        <p:nvPicPr>
+          <p:cNvPr id="5" name="Picture 4">
+            <a:extLst>
+              <a:ext uri="{FF2B5EF4-FFF2-40B4-BE49-F238E27FC236}">
+                <a16:creationId xmlns:a16="http://schemas.microsoft.com/office/drawing/2014/main" id="{B16286A6-819D-207E-E586-6339856E2186}"/>
+              </a:ext>
+            </a:extLst>
+          </p:cNvPr>
+          <p:cNvPicPr>
+            <a:picLocks noChangeAspect="1"/>
+          </p:cNvPicPr>
+          <p:nvPr/>
+        </p:nvPicPr>
+        <p:blipFill rotWithShape="1">
+          <a:blip r:embed="rId3"/>
+          <a:srcRect l="21770" t="29612" r="20284" b="6356"/>
+          <a:stretch/>
+        </p:blipFill>
+        <p:spPr>
+          <a:xfrm>
+            <a:off x="1446028" y="337503"/>
+            <a:ext cx="8952614" cy="6182993"/>
+          </a:xfrm>
+          <a:prstGeom prst="rect">
+            <a:avLst/>
+          </a:prstGeom>
+        </p:spPr>
+      </p:pic>
+      <p:sp>
+        <p:nvSpPr>
+          <p:cNvPr id="8" name="TextBox 7">
+            <a:extLst>
+              <a:ext uri="{FF2B5EF4-FFF2-40B4-BE49-F238E27FC236}">
+                <a16:creationId xmlns:a16="http://schemas.microsoft.com/office/drawing/2014/main" id="{66965529-9E6F-EF78-142E-4200ADB23717}"/>
+              </a:ext>
+            </a:extLst>
+          </p:cNvPr>
+          <p:cNvSpPr txBox="1"/>
+          <p:nvPr/>
+        </p:nvSpPr>
+        <p:spPr>
+          <a:xfrm>
+            <a:off x="7625442" y="6596390"/>
+            <a:ext cx="4419094" cy="261610"/>
+          </a:xfrm>
+          <a:prstGeom prst="rect">
+            <a:avLst/>
+          </a:prstGeom>
+          <a:noFill/>
+        </p:spPr>
+        <p:txBody>
+          <a:bodyPr wrap="square">
+            <a:spAutoFit/>
+          </a:bodyPr>
+          <a:lstStyle/>
+          <a:p>
+            <a:pPr algn="ctr"/>
+            <a:r>
+              <a:rPr lang="en-US" sz="1100" b="0" i="0" dirty="0">
+                <a:solidFill>
+                  <a:srgbClr val="222222"/>
+                </a:solidFill>
+                <a:effectLst/>
+                <a:latin typeface="Arial" panose="020B0604020202020204" pitchFamily="34" charset="0"/>
+              </a:rPr>
+              <a:t>Gandhi, R. (2022). </a:t>
+            </a:r>
+            <a:r>
+              <a:rPr lang="en-US" sz="1100" b="0" i="1" dirty="0">
+                <a:solidFill>
+                  <a:srgbClr val="222222"/>
+                </a:solidFill>
+                <a:effectLst/>
+                <a:latin typeface="Arial" panose="020B0604020202020204" pitchFamily="34" charset="0"/>
+              </a:rPr>
+              <a:t>Head First Git</a:t>
+            </a:r>
+            <a:r>
+              <a:rPr lang="en-US" sz="1100" b="0" i="0" dirty="0">
+                <a:solidFill>
+                  <a:srgbClr val="222222"/>
+                </a:solidFill>
+                <a:effectLst/>
+                <a:latin typeface="Arial" panose="020B0604020202020204" pitchFamily="34" charset="0"/>
+              </a:rPr>
+              <a:t>. " O'Reilly Media, Inc.".</a:t>
+            </a:r>
+            <a:endParaRPr lang="en-GB" sz="1100" dirty="0"/>
+          </a:p>
+        </p:txBody>
+      </p:sp>
+    </p:spTree>
+    <p:extLst>
+      <p:ext uri="{BB962C8B-B14F-4D97-AF65-F5344CB8AC3E}">
+        <p14:creationId xmlns:p14="http://schemas.microsoft.com/office/powerpoint/2010/main" val="931175642"/>
+      </p:ext>
+    </p:extLst>
+  </p:cSld>
+  <p:clrMapOvr>
+    <a:masterClrMapping/>
+  </p:clrMapOvr>
+</p:sld>
+</file>
+
+<file path=ppt/slides/slide15.xml><?xml version="1.0" encoding="utf-8"?>
+<p:sld xmlns:a="http://schemas.openxmlformats.org/drawingml/2006/main" xmlns:r="http://schemas.openxmlformats.org/officeDocument/2006/relationships" xmlns:p="http://schemas.openxmlformats.org/presentationml/2006/main">
+  <p:cSld>
+    <p:spTree>
+      <p:nvGrpSpPr>
+        <p:cNvPr id="1" name=""/>
+        <p:cNvGrpSpPr/>
+        <p:nvPr/>
+      </p:nvGrpSpPr>
+      <p:grpSpPr>
+        <a:xfrm>
+          <a:off x="0" y="0"/>
+          <a:ext cx="0" cy="0"/>
+          <a:chOff x="0" y="0"/>
+          <a:chExt cx="0" cy="0"/>
+        </a:xfrm>
+      </p:grpSpPr>
+      <p:grpSp>
+        <p:nvGrpSpPr>
+          <p:cNvPr id="7" name="Group 6">
+            <a:extLst>
+              <a:ext uri="{FF2B5EF4-FFF2-40B4-BE49-F238E27FC236}">
+                <a16:creationId xmlns:a16="http://schemas.microsoft.com/office/drawing/2014/main" id="{EBD8C99C-3FBE-CA02-9245-9A7E4972956B}"/>
+              </a:ext>
+            </a:extLst>
+          </p:cNvPr>
+          <p:cNvGrpSpPr/>
+          <p:nvPr/>
+        </p:nvGrpSpPr>
+        <p:grpSpPr>
+          <a:xfrm>
+            <a:off x="2211577" y="359230"/>
+            <a:ext cx="7768845" cy="6368142"/>
+            <a:chOff x="2211577" y="359230"/>
+            <a:chExt cx="7768845" cy="6368142"/>
+          </a:xfrm>
+        </p:grpSpPr>
+        <p:pic>
+          <p:nvPicPr>
+            <p:cNvPr id="5" name="Picture 4">
+              <a:extLst>
+                <a:ext uri="{FF2B5EF4-FFF2-40B4-BE49-F238E27FC236}">
+                  <a16:creationId xmlns:a16="http://schemas.microsoft.com/office/drawing/2014/main" id="{02E2C679-B8D5-A4E6-C5DE-5D7ADC2192B3}"/>
+                </a:ext>
+              </a:extLst>
+            </p:cNvPr>
+            <p:cNvPicPr>
+              <a:picLocks noChangeAspect="1"/>
+            </p:cNvPicPr>
+            <p:nvPr/>
+          </p:nvPicPr>
+          <p:blipFill rotWithShape="1">
+            <a:blip r:embed="rId2"/>
+            <a:srcRect l="20039" t="17936" r="26587" b="12064"/>
+            <a:stretch/>
+          </p:blipFill>
+          <p:spPr>
+            <a:xfrm>
+              <a:off x="2211577" y="359230"/>
+              <a:ext cx="7768845" cy="6368142"/>
+            </a:xfrm>
+            <a:prstGeom prst="rect">
+              <a:avLst/>
+            </a:prstGeom>
+          </p:spPr>
+        </p:pic>
+        <p:sp>
+          <p:nvSpPr>
+            <p:cNvPr id="6" name="Rectangle 5">
+              <a:extLst>
+                <a:ext uri="{FF2B5EF4-FFF2-40B4-BE49-F238E27FC236}">
+                  <a16:creationId xmlns:a16="http://schemas.microsoft.com/office/drawing/2014/main" id="{0C5B74EF-89FD-635C-A9F0-CD1C60FB99E2}"/>
+                </a:ext>
+              </a:extLst>
+            </p:cNvPr>
+            <p:cNvSpPr/>
+            <p:nvPr/>
+          </p:nvSpPr>
+          <p:spPr>
+            <a:xfrm>
+              <a:off x="6237514" y="2438400"/>
+              <a:ext cx="2775857" cy="272143"/>
+            </a:xfrm>
+            <a:prstGeom prst="rect">
+              <a:avLst/>
+            </a:prstGeom>
+            <a:solidFill>
+              <a:schemeClr val="bg1"/>
+            </a:solidFill>
+            <a:ln>
+              <a:solidFill>
+                <a:schemeClr val="bg1"/>
+              </a:solidFill>
+            </a:ln>
+          </p:spPr>
+          <p:style>
+            <a:lnRef idx="2">
+              <a:schemeClr val="accent1">
+                <a:shade val="15000"/>
+              </a:schemeClr>
+            </a:lnRef>
+            <a:fillRef idx="1">
+              <a:schemeClr val="accent1"/>
+            </a:fillRef>
+            <a:effectRef idx="0">
+              <a:schemeClr val="accent1"/>
+            </a:effectRef>
+            <a:fontRef idx="minor">
+              <a:schemeClr val="lt1"/>
+            </a:fontRef>
+          </p:style>
+          <p:txBody>
+            <a:bodyPr rtlCol="0" anchor="ctr"/>
+            <a:lstStyle/>
+            <a:p>
+              <a:pPr algn="ctr"/>
+              <a:endParaRPr lang="en-GB"/>
+            </a:p>
+          </p:txBody>
+        </p:sp>
+      </p:grpSp>
+      <p:sp>
+        <p:nvSpPr>
+          <p:cNvPr id="8" name="TextBox 7">
+            <a:extLst>
+              <a:ext uri="{FF2B5EF4-FFF2-40B4-BE49-F238E27FC236}">
+                <a16:creationId xmlns:a16="http://schemas.microsoft.com/office/drawing/2014/main" id="{60AFCF20-7202-1802-5F6C-0AD8314BA407}"/>
+              </a:ext>
+            </a:extLst>
+          </p:cNvPr>
+          <p:cNvSpPr txBox="1"/>
+          <p:nvPr/>
+        </p:nvSpPr>
+        <p:spPr>
+          <a:xfrm>
+            <a:off x="7625442" y="6596390"/>
+            <a:ext cx="4419094" cy="261610"/>
+          </a:xfrm>
+          <a:prstGeom prst="rect">
+            <a:avLst/>
+          </a:prstGeom>
+          <a:noFill/>
+        </p:spPr>
+        <p:txBody>
+          <a:bodyPr wrap="square">
+            <a:spAutoFit/>
+          </a:bodyPr>
+          <a:lstStyle/>
+          <a:p>
+            <a:pPr algn="ctr"/>
+            <a:r>
+              <a:rPr lang="en-US" sz="1100" b="0" i="0" dirty="0">
+                <a:solidFill>
+                  <a:srgbClr val="222222"/>
+                </a:solidFill>
+                <a:effectLst/>
+                <a:latin typeface="Arial" panose="020B0604020202020204" pitchFamily="34" charset="0"/>
+              </a:rPr>
+              <a:t>Gandhi, R. (2022). </a:t>
+            </a:r>
+            <a:r>
+              <a:rPr lang="en-US" sz="1100" b="0" i="1" dirty="0">
+                <a:solidFill>
+                  <a:srgbClr val="222222"/>
+                </a:solidFill>
+                <a:effectLst/>
+                <a:latin typeface="Arial" panose="020B0604020202020204" pitchFamily="34" charset="0"/>
+              </a:rPr>
+              <a:t>Head First Git</a:t>
+            </a:r>
+            <a:r>
+              <a:rPr lang="en-US" sz="1100" b="0" i="0" dirty="0">
+                <a:solidFill>
+                  <a:srgbClr val="222222"/>
+                </a:solidFill>
+                <a:effectLst/>
+                <a:latin typeface="Arial" panose="020B0604020202020204" pitchFamily="34" charset="0"/>
+              </a:rPr>
+              <a:t>. " O'Reilly Media, Inc.".</a:t>
+            </a:r>
+            <a:endParaRPr lang="en-GB" sz="1100" dirty="0"/>
+          </a:p>
+        </p:txBody>
+      </p:sp>
+    </p:spTree>
+    <p:extLst>
+      <p:ext uri="{BB962C8B-B14F-4D97-AF65-F5344CB8AC3E}">
+        <p14:creationId xmlns:p14="http://schemas.microsoft.com/office/powerpoint/2010/main" val="2354877799"/>
+      </p:ext>
+    </p:extLst>
+  </p:cSld>
+  <p:clrMapOvr>
+    <a:masterClrMapping/>
+  </p:clrMapOvr>
+</p:sld>
+</file>
+
+<file path=ppt/slides/slide16.xml><?xml version="1.0" encoding="utf-8"?>
+<p:sld xmlns:a="http://schemas.openxmlformats.org/drawingml/2006/main" xmlns:r="http://schemas.openxmlformats.org/officeDocument/2006/relationships" xmlns:p="http://schemas.openxmlformats.org/presentationml/2006/main">
+  <p:cSld>
+    <p:spTree>
+      <p:nvGrpSpPr>
+        <p:cNvPr id="1" name=""/>
+        <p:cNvGrpSpPr/>
+        <p:nvPr/>
+      </p:nvGrpSpPr>
+      <p:grpSpPr>
+        <a:xfrm>
+          <a:off x="0" y="0"/>
+          <a:ext cx="0" cy="0"/>
+          <a:chOff x="0" y="0"/>
+          <a:chExt cx="0" cy="0"/>
+        </a:xfrm>
+      </p:grpSpPr>
       <p:sp>
         <p:nvSpPr>
           <p:cNvPr id="2" name="Title 1">
@@ -6153,7 +6582,7 @@
 </p:sld>
 </file>
 
-<file path=ppt/slides/slide15.xml><?xml version="1.0" encoding="utf-8"?>
+<file path=ppt/slides/slide17.xml><?xml version="1.0" encoding="utf-8"?>
 <p:sld xmlns:a="http://schemas.openxmlformats.org/drawingml/2006/main" xmlns:r="http://schemas.openxmlformats.org/officeDocument/2006/relationships" xmlns:p="http://schemas.openxmlformats.org/presentationml/2006/main">
   <p:cSld>
     <p:spTree>
@@ -6262,8 +6691,8 @@
         </p:nvSpPr>
         <p:spPr>
           <a:xfrm>
-            <a:off x="5168596" y="2360660"/>
-            <a:ext cx="3039233" cy="1814398"/>
+            <a:off x="3579281" y="2793944"/>
+            <a:ext cx="5390547" cy="1814398"/>
           </a:xfrm>
         </p:spPr>
         <p:txBody>
@@ -6274,34 +6703,25 @@
           <a:p>
             <a:r>
               <a:rPr lang="en-GB" sz="6000" b="1" dirty="0">
-                <a:highlight>
-                  <a:srgbClr val="C05D30"/>
-                </a:highlight>
                 <a:latin typeface="+mj-lt"/>
               </a:rPr>
-              <a:t>Why</a:t>
+              <a:t>Why Git</a:t>
             </a:r>
           </a:p>
           <a:p>
             <a:r>
               <a:rPr lang="en-GB" sz="6000" b="1" dirty="0">
-                <a:highlight>
-                  <a:srgbClr val="159BFF"/>
-                </a:highlight>
                 <a:latin typeface="+mj-lt"/>
               </a:rPr>
-              <a:t>What</a:t>
+              <a:t>What is Git</a:t>
             </a:r>
           </a:p>
           <a:p>
             <a:r>
               <a:rPr lang="en-GB" sz="6000" b="1" dirty="0">
-                <a:highlight>
-                  <a:srgbClr val="00FF00"/>
-                </a:highlight>
                 <a:latin typeface="+mj-lt"/>
               </a:rPr>
-              <a:t>How</a:t>
+              <a:t>How to use Git</a:t>
             </a:r>
           </a:p>
         </p:txBody>
@@ -6358,8 +6778,8 @@
         </p:nvSpPr>
         <p:spPr>
           <a:xfrm>
-            <a:off x="4645892" y="2567710"/>
-            <a:ext cx="3371629" cy="1569660"/>
+            <a:off x="3437578" y="2458853"/>
+            <a:ext cx="4884863" cy="1569660"/>
           </a:xfrm>
           <a:prstGeom prst="rect">
             <a:avLst/>
@@ -6374,8 +6794,45 @@
           <a:p>
             <a:r>
               <a:rPr lang="en-GB" sz="9600" b="1" dirty="0"/>
-              <a:t>Why? </a:t>
-            </a:r>
+              <a:t>Why Git?</a:t>
+            </a:r>
+          </a:p>
+        </p:txBody>
+      </p:sp>
+      <p:sp>
+        <p:nvSpPr>
+          <p:cNvPr id="3" name="TextBox 2">
+            <a:extLst>
+              <a:ext uri="{FF2B5EF4-FFF2-40B4-BE49-F238E27FC236}">
+                <a16:creationId xmlns:a16="http://schemas.microsoft.com/office/drawing/2014/main" id="{E2DE1F4E-29BD-408A-5A8C-6FB16DCC013E}"/>
+              </a:ext>
+            </a:extLst>
+          </p:cNvPr>
+          <p:cNvSpPr txBox="1"/>
+          <p:nvPr/>
+        </p:nvSpPr>
+        <p:spPr>
+          <a:xfrm>
+            <a:off x="3958683" y="3939303"/>
+            <a:ext cx="3902927" cy="369332"/>
+          </a:xfrm>
+          <a:prstGeom prst="rect">
+            <a:avLst/>
+          </a:prstGeom>
+          <a:noFill/>
+        </p:spPr>
+        <p:txBody>
+          <a:bodyPr wrap="square" rtlCol="0">
+            <a:spAutoFit/>
+          </a:bodyPr>
+          <a:lstStyle/>
+          <a:p>
+            <a:pPr algn="ctr"/>
+            <a:r>
+              <a:rPr lang="en-GB" sz="1800" b="1" dirty="0"/>
+              <a:t>(or any other version control software)</a:t>
+            </a:r>
+            <a:endParaRPr lang="en-GB" dirty="0"/>
           </a:p>
         </p:txBody>
       </p:sp>
@@ -8677,8 +9134,8 @@
         </p:nvSpPr>
         <p:spPr>
           <a:xfrm>
-            <a:off x="963837" y="4027714"/>
-            <a:ext cx="10050689" cy="914400"/>
+            <a:off x="751114" y="3929743"/>
+            <a:ext cx="10389963" cy="1045028"/>
           </a:xfrm>
           <a:prstGeom prst="rect">
             <a:avLst/>
@@ -8705,19 +9162,11 @@
             <a:pPr algn="ctr"/>
             <a:r>
               <a:rPr lang="en-GB" sz="2400" dirty="0"/>
-              <a:t>Thus , we need a system </a:t>
+              <a:t>Thus , we need an efficient system </a:t>
             </a:r>
             <a:r>
               <a:rPr lang="en-GB" sz="2400" b="1" dirty="0"/>
-              <a:t>that track different versions of a project, and allows the team who has made certain changes, when and why </a:t>
-            </a:r>
-            <a:r>
-              <a:rPr lang="en-GB" sz="2400" dirty="0"/>
-              <a:t>that is </a:t>
-            </a:r>
-            <a:r>
-              <a:rPr lang="en-GB" sz="2400" b="1" dirty="0"/>
-              <a:t>efficient</a:t>
+              <a:t>that track different versions of a project and allows the team to know who has made changes to the project, when and why </a:t>
             </a:r>
             <a:r>
               <a:rPr lang="en-GB" sz="2400" dirty="0"/>
@@ -8918,8 +9367,8 @@
         </p:nvSpPr>
         <p:spPr>
           <a:xfrm>
-            <a:off x="4558806" y="2328224"/>
-            <a:ext cx="3832909" cy="1569660"/>
+            <a:off x="2915064" y="2426195"/>
+            <a:ext cx="6697474" cy="1569660"/>
           </a:xfrm>
           <a:prstGeom prst="rect">
             <a:avLst/>
@@ -8934,7 +9383,7 @@
           <a:p>
             <a:r>
               <a:rPr lang="en-GB" sz="9600" b="1" dirty="0"/>
-              <a:t>What? </a:t>
+              <a:t>What is Git? </a:t>
             </a:r>
           </a:p>
         </p:txBody>
@@ -8977,49 +9426,6 @@
           <a:chExt cx="0" cy="0"/>
         </a:xfrm>
       </p:grpSpPr>
-      <p:sp>
-        <p:nvSpPr>
-          <p:cNvPr id="2" name="Title 1">
-            <a:extLst>
-              <a:ext uri="{FF2B5EF4-FFF2-40B4-BE49-F238E27FC236}">
-                <a16:creationId xmlns:a16="http://schemas.microsoft.com/office/drawing/2014/main" id="{21AEB528-59FF-43AF-231E-FE7ED208C2C5}"/>
-              </a:ext>
-            </a:extLst>
-          </p:cNvPr>
-          <p:cNvSpPr>
-            <a:spLocks noGrp="1"/>
-          </p:cNvSpPr>
-          <p:nvPr>
-            <p:ph type="title"/>
-          </p:nvPr>
-        </p:nvSpPr>
-        <p:spPr>
-          <a:xfrm>
-            <a:off x="556325" y="0"/>
-            <a:ext cx="3429000" cy="1719072"/>
-          </a:xfrm>
-        </p:spPr>
-        <p:txBody>
-          <a:bodyPr anchor="b">
-            <a:normAutofit/>
-          </a:bodyPr>
-          <a:lstStyle/>
-          <a:p>
-            <a:r>
-              <a:rPr lang="en-GB" sz="5400"/>
-              <a:t>Use </a:t>
-            </a:r>
-            <a:r>
-              <a:rPr lang="en-GB" sz="5400" b="1"/>
-              <a:t>Git</a:t>
-            </a:r>
-            <a:r>
-              <a:rPr lang="en-GB" sz="5400"/>
-              <a:t>!!</a:t>
-            </a:r>
-          </a:p>
-        </p:txBody>
-      </p:sp>
       <p:pic>
         <p:nvPicPr>
           <p:cNvPr id="5" name="Picture 4" descr="A close up of a logo">
@@ -9048,7 +9454,7 @@
         </p:blipFill>
         <p:spPr>
           <a:xfrm>
-            <a:off x="4952129" y="259887"/>
+            <a:off x="3809128" y="727973"/>
             <a:ext cx="3895023" cy="1626493"/>
           </a:xfrm>
           <a:prstGeom prst="rect">
@@ -9074,14 +9480,15 @@
         </p:nvSpPr>
         <p:spPr>
           <a:xfrm>
-            <a:off x="838200" y="2065111"/>
-            <a:ext cx="10515600" cy="4351338"/>
+            <a:off x="379096" y="2751037"/>
+            <a:ext cx="10755086" cy="3785281"/>
           </a:xfrm>
         </p:spPr>
         <p:txBody>
           <a:bodyPr/>
           <a:lstStyle/>
           <a:p>
+            <a:pPr algn="ctr"/>
             <a:r>
               <a:rPr lang="en-GB" sz="2800" dirty="0">
                 <a:latin typeface="+mj-lt"/>
@@ -9093,6 +9500,7 @@
             </a:endParaRPr>
           </a:p>
           <a:p>
+            <a:pPr algn="ctr"/>
             <a:r>
               <a:rPr lang="en-GB" dirty="0">
                 <a:latin typeface="+mj-lt"/>
@@ -9101,6 +9509,7 @@
             </a:r>
           </a:p>
           <a:p>
+            <a:pPr algn="ctr"/>
             <a:r>
               <a:rPr lang="en-GB" dirty="0">
                 <a:latin typeface="+mj-lt"/>
@@ -9109,6 +9518,7 @@
             </a:r>
           </a:p>
           <a:p>
+            <a:pPr algn="ctr"/>
             <a:r>
               <a:rPr lang="en-GB" dirty="0">
                 <a:latin typeface="+mj-lt"/>
@@ -9153,6 +9563,7 @@
             </a:r>
           </a:p>
           <a:p>
+            <a:pPr algn="ctr"/>
             <a:r>
               <a:rPr lang="en-US" dirty="0">
                 <a:solidFill>
@@ -9585,8 +9996,8 @@
         </p:nvSpPr>
         <p:spPr>
           <a:xfrm>
-            <a:off x="4558806" y="2328224"/>
-            <a:ext cx="3388235" cy="1569660"/>
+            <a:off x="2261920" y="2458853"/>
+            <a:ext cx="8585940" cy="1569660"/>
           </a:xfrm>
           <a:prstGeom prst="rect">
             <a:avLst/>
@@ -9601,7 +10012,42 @@
           <a:p>
             <a:r>
               <a:rPr lang="en-GB" sz="9600" b="1" dirty="0"/>
-              <a:t>How? </a:t>
+              <a:t>How to use Git? </a:t>
+            </a:r>
+          </a:p>
+        </p:txBody>
+      </p:sp>
+      <p:sp>
+        <p:nvSpPr>
+          <p:cNvPr id="3" name="TextBox 2">
+            <a:extLst>
+              <a:ext uri="{FF2B5EF4-FFF2-40B4-BE49-F238E27FC236}">
+                <a16:creationId xmlns:a16="http://schemas.microsoft.com/office/drawing/2014/main" id="{0F3B27A6-62F2-2E45-6795-6863DEDB28E6}"/>
+              </a:ext>
+            </a:extLst>
+          </p:cNvPr>
+          <p:cNvSpPr txBox="1"/>
+          <p:nvPr/>
+        </p:nvSpPr>
+        <p:spPr>
+          <a:xfrm>
+            <a:off x="4648199" y="4256315"/>
+            <a:ext cx="2715680" cy="400110"/>
+          </a:xfrm>
+          <a:prstGeom prst="rect">
+            <a:avLst/>
+          </a:prstGeom>
+          <a:noFill/>
+        </p:spPr>
+        <p:txBody>
+          <a:bodyPr wrap="none" rtlCol="0">
+            <a:spAutoFit/>
+          </a:bodyPr>
+          <a:lstStyle/>
+          <a:p>
+            <a:r>
+              <a:rPr lang="en-GB" sz="2000" b="1" dirty="0"/>
+              <a:t>The workshop of today!</a:t>
             </a:r>
           </a:p>
         </p:txBody>

--- a/Git-intro-lesson(day 1).pptx
+++ b/Git-intro-lesson(day 1).pptx
@@ -213,7 +213,7 @@
           <a:p>
             <a:fld id="{C3D52170-68FC-4982-8F47-B877B8BB21F4}" type="datetimeFigureOut">
               <a:rPr lang="en-GB" smtClean="0"/>
-              <a:t>20/02/2024</a:t>
+              <a:t>21/02/2024</a:t>
             </a:fld>
             <a:endParaRPr lang="en-GB"/>
           </a:p>
@@ -1458,7 +1458,7 @@
           <a:p>
             <a:fld id="{6FB2F65A-CA80-4036-A1DE-2EDF1F345BB4}" type="datetimeFigureOut">
               <a:rPr lang="en-GB" smtClean="0"/>
-              <a:t>20/02/2024</a:t>
+              <a:t>21/02/2024</a:t>
             </a:fld>
             <a:endParaRPr lang="en-GB"/>
           </a:p>
@@ -1628,7 +1628,7 @@
           <a:p>
             <a:fld id="{6FB2F65A-CA80-4036-A1DE-2EDF1F345BB4}" type="datetimeFigureOut">
               <a:rPr lang="en-GB" smtClean="0"/>
-              <a:t>20/02/2024</a:t>
+              <a:t>21/02/2024</a:t>
             </a:fld>
             <a:endParaRPr lang="en-GB"/>
           </a:p>
@@ -1808,7 +1808,7 @@
           <a:p>
             <a:fld id="{6FB2F65A-CA80-4036-A1DE-2EDF1F345BB4}" type="datetimeFigureOut">
               <a:rPr lang="en-GB" smtClean="0"/>
-              <a:t>20/02/2024</a:t>
+              <a:t>21/02/2024</a:t>
             </a:fld>
             <a:endParaRPr lang="en-GB"/>
           </a:p>
@@ -1978,7 +1978,7 @@
           <a:p>
             <a:fld id="{6FB2F65A-CA80-4036-A1DE-2EDF1F345BB4}" type="datetimeFigureOut">
               <a:rPr lang="en-GB" smtClean="0"/>
-              <a:t>20/02/2024</a:t>
+              <a:t>21/02/2024</a:t>
             </a:fld>
             <a:endParaRPr lang="en-GB"/>
           </a:p>
@@ -2224,7 +2224,7 @@
           <a:p>
             <a:fld id="{6FB2F65A-CA80-4036-A1DE-2EDF1F345BB4}" type="datetimeFigureOut">
               <a:rPr lang="en-GB" smtClean="0"/>
-              <a:t>20/02/2024</a:t>
+              <a:t>21/02/2024</a:t>
             </a:fld>
             <a:endParaRPr lang="en-GB"/>
           </a:p>
@@ -2456,7 +2456,7 @@
           <a:p>
             <a:fld id="{6FB2F65A-CA80-4036-A1DE-2EDF1F345BB4}" type="datetimeFigureOut">
               <a:rPr lang="en-GB" smtClean="0"/>
-              <a:t>20/02/2024</a:t>
+              <a:t>21/02/2024</a:t>
             </a:fld>
             <a:endParaRPr lang="en-GB"/>
           </a:p>
@@ -2823,7 +2823,7 @@
           <a:p>
             <a:fld id="{6FB2F65A-CA80-4036-A1DE-2EDF1F345BB4}" type="datetimeFigureOut">
               <a:rPr lang="en-GB" smtClean="0"/>
-              <a:t>20/02/2024</a:t>
+              <a:t>21/02/2024</a:t>
             </a:fld>
             <a:endParaRPr lang="en-GB"/>
           </a:p>
@@ -2941,7 +2941,7 @@
           <a:p>
             <a:fld id="{6FB2F65A-CA80-4036-A1DE-2EDF1F345BB4}" type="datetimeFigureOut">
               <a:rPr lang="en-GB" smtClean="0"/>
-              <a:t>20/02/2024</a:t>
+              <a:t>21/02/2024</a:t>
             </a:fld>
             <a:endParaRPr lang="en-GB"/>
           </a:p>
@@ -3036,7 +3036,7 @@
           <a:p>
             <a:fld id="{6FB2F65A-CA80-4036-A1DE-2EDF1F345BB4}" type="datetimeFigureOut">
               <a:rPr lang="en-GB" smtClean="0"/>
-              <a:t>20/02/2024</a:t>
+              <a:t>21/02/2024</a:t>
             </a:fld>
             <a:endParaRPr lang="en-GB"/>
           </a:p>
@@ -3313,7 +3313,7 @@
           <a:p>
             <a:fld id="{6FB2F65A-CA80-4036-A1DE-2EDF1F345BB4}" type="datetimeFigureOut">
               <a:rPr lang="en-GB" smtClean="0"/>
-              <a:t>20/02/2024</a:t>
+              <a:t>21/02/2024</a:t>
             </a:fld>
             <a:endParaRPr lang="en-GB"/>
           </a:p>
@@ -3570,7 +3570,7 @@
           <a:p>
             <a:fld id="{6FB2F65A-CA80-4036-A1DE-2EDF1F345BB4}" type="datetimeFigureOut">
               <a:rPr lang="en-GB" smtClean="0"/>
-              <a:t>20/02/2024</a:t>
+              <a:t>21/02/2024</a:t>
             </a:fld>
             <a:endParaRPr lang="en-GB"/>
           </a:p>
@@ -3783,7 +3783,7 @@
           <a:p>
             <a:fld id="{6FB2F65A-CA80-4036-A1DE-2EDF1F345BB4}" type="datetimeFigureOut">
               <a:rPr lang="en-GB" smtClean="0"/>
-              <a:t>20/02/2024</a:t>
+              <a:t>21/02/2024</a:t>
             </a:fld>
             <a:endParaRPr lang="en-GB"/>
           </a:p>
@@ -7691,88 +7691,6 @@
       </p:sp>
       <p:cxnSp>
         <p:nvCxnSpPr>
-          <p:cNvPr id="16" name="Straight Arrow Connector 15">
-            <a:extLst>
-              <a:ext uri="{FF2B5EF4-FFF2-40B4-BE49-F238E27FC236}">
-                <a16:creationId xmlns:a16="http://schemas.microsoft.com/office/drawing/2014/main" id="{5842C0E1-769A-0C5C-8D12-ACD11B98BCA9}"/>
-              </a:ext>
-            </a:extLst>
-          </p:cNvPr>
-          <p:cNvCxnSpPr>
-            <a:cxnSpLocks/>
-          </p:cNvCxnSpPr>
-          <p:nvPr/>
-        </p:nvCxnSpPr>
-        <p:spPr>
-          <a:xfrm>
-            <a:off x="3181165" y="2076779"/>
-            <a:ext cx="1026850" cy="0"/>
-          </a:xfrm>
-          <a:prstGeom prst="straightConnector1">
-            <a:avLst/>
-          </a:prstGeom>
-          <a:ln>
-            <a:tailEnd type="triangle"/>
-          </a:ln>
-        </p:spPr>
-        <p:style>
-          <a:lnRef idx="1">
-            <a:schemeClr val="dk1"/>
-          </a:lnRef>
-          <a:fillRef idx="0">
-            <a:schemeClr val="dk1"/>
-          </a:fillRef>
-          <a:effectRef idx="0">
-            <a:schemeClr val="dk1"/>
-          </a:effectRef>
-          <a:fontRef idx="minor">
-            <a:schemeClr val="tx1"/>
-          </a:fontRef>
-        </p:style>
-      </p:cxnSp>
-      <p:cxnSp>
-        <p:nvCxnSpPr>
-          <p:cNvPr id="18" name="Straight Arrow Connector 17">
-            <a:extLst>
-              <a:ext uri="{FF2B5EF4-FFF2-40B4-BE49-F238E27FC236}">
-                <a16:creationId xmlns:a16="http://schemas.microsoft.com/office/drawing/2014/main" id="{580DCED6-BDBE-26F1-55A7-55F54359E177}"/>
-              </a:ext>
-            </a:extLst>
-          </p:cNvPr>
-          <p:cNvCxnSpPr>
-            <a:cxnSpLocks/>
-          </p:cNvCxnSpPr>
-          <p:nvPr/>
-        </p:nvCxnSpPr>
-        <p:spPr>
-          <a:xfrm>
-            <a:off x="5484217" y="2533062"/>
-            <a:ext cx="0" cy="858506"/>
-          </a:xfrm>
-          <a:prstGeom prst="straightConnector1">
-            <a:avLst/>
-          </a:prstGeom>
-          <a:ln>
-            <a:tailEnd type="triangle"/>
-          </a:ln>
-        </p:spPr>
-        <p:style>
-          <a:lnRef idx="1">
-            <a:schemeClr val="dk1"/>
-          </a:lnRef>
-          <a:fillRef idx="0">
-            <a:schemeClr val="dk1"/>
-          </a:fillRef>
-          <a:effectRef idx="0">
-            <a:schemeClr val="dk1"/>
-          </a:effectRef>
-          <a:fontRef idx="minor">
-            <a:schemeClr val="tx1"/>
-          </a:fontRef>
-        </p:style>
-      </p:cxnSp>
-      <p:cxnSp>
-        <p:nvCxnSpPr>
           <p:cNvPr id="20" name="Straight Arrow Connector 19">
             <a:extLst>
               <a:ext uri="{FF2B5EF4-FFF2-40B4-BE49-F238E27FC236}">
@@ -7812,88 +7730,6 @@
           </a:fontRef>
         </p:style>
       </p:cxnSp>
-      <p:cxnSp>
-        <p:nvCxnSpPr>
-          <p:cNvPr id="21" name="Straight Arrow Connector 20">
-            <a:extLst>
-              <a:ext uri="{FF2B5EF4-FFF2-40B4-BE49-F238E27FC236}">
-                <a16:creationId xmlns:a16="http://schemas.microsoft.com/office/drawing/2014/main" id="{5AC560C9-3A7F-B47A-0434-FED86B122CE7}"/>
-              </a:ext>
-            </a:extLst>
-          </p:cNvPr>
-          <p:cNvCxnSpPr>
-            <a:cxnSpLocks/>
-          </p:cNvCxnSpPr>
-          <p:nvPr/>
-        </p:nvCxnSpPr>
-        <p:spPr>
-          <a:xfrm>
-            <a:off x="6662691" y="2076779"/>
-            <a:ext cx="1026850" cy="0"/>
-          </a:xfrm>
-          <a:prstGeom prst="straightConnector1">
-            <a:avLst/>
-          </a:prstGeom>
-          <a:ln>
-            <a:tailEnd type="triangle"/>
-          </a:ln>
-        </p:spPr>
-        <p:style>
-          <a:lnRef idx="1">
-            <a:schemeClr val="dk1"/>
-          </a:lnRef>
-          <a:fillRef idx="0">
-            <a:schemeClr val="dk1"/>
-          </a:fillRef>
-          <a:effectRef idx="0">
-            <a:schemeClr val="dk1"/>
-          </a:effectRef>
-          <a:fontRef idx="minor">
-            <a:schemeClr val="tx1"/>
-          </a:fontRef>
-        </p:style>
-      </p:cxnSp>
-      <p:cxnSp>
-        <p:nvCxnSpPr>
-          <p:cNvPr id="22" name="Straight Arrow Connector 21">
-            <a:extLst>
-              <a:ext uri="{FF2B5EF4-FFF2-40B4-BE49-F238E27FC236}">
-                <a16:creationId xmlns:a16="http://schemas.microsoft.com/office/drawing/2014/main" id="{595094C1-4150-0261-2A76-DA15B9FC377B}"/>
-              </a:ext>
-            </a:extLst>
-          </p:cNvPr>
-          <p:cNvCxnSpPr>
-            <a:cxnSpLocks/>
-          </p:cNvCxnSpPr>
-          <p:nvPr/>
-        </p:nvCxnSpPr>
-        <p:spPr>
-          <a:xfrm>
-            <a:off x="9454015" y="2459213"/>
-            <a:ext cx="0" cy="701237"/>
-          </a:xfrm>
-          <a:prstGeom prst="straightConnector1">
-            <a:avLst/>
-          </a:prstGeom>
-          <a:ln>
-            <a:tailEnd type="triangle"/>
-          </a:ln>
-        </p:spPr>
-        <p:style>
-          <a:lnRef idx="1">
-            <a:schemeClr val="dk1"/>
-          </a:lnRef>
-          <a:fillRef idx="0">
-            <a:schemeClr val="dk1"/>
-          </a:fillRef>
-          <a:effectRef idx="0">
-            <a:schemeClr val="dk1"/>
-          </a:effectRef>
-          <a:fontRef idx="minor">
-            <a:schemeClr val="tx1"/>
-          </a:fontRef>
-        </p:style>
-      </p:cxnSp>
       <p:sp>
         <p:nvSpPr>
           <p:cNvPr id="25" name="TextBox 24">
@@ -7943,7 +7779,7 @@
         </p:nvSpPr>
         <p:spPr>
           <a:xfrm>
-            <a:off x="1633493" y="1333229"/>
+            <a:off x="1775823" y="4540138"/>
             <a:ext cx="8490009" cy="740771"/>
           </a:xfrm>
           <a:prstGeom prst="roundRect">
@@ -8003,7 +7839,7 @@
         </p:nvSpPr>
         <p:spPr>
           <a:xfrm>
-            <a:off x="1633493" y="2206115"/>
+            <a:off x="1831055" y="3721631"/>
             <a:ext cx="8490009" cy="740771"/>
           </a:xfrm>
           <a:prstGeom prst="roundRect">
@@ -8060,7 +7896,7 @@
         </p:nvSpPr>
         <p:spPr>
           <a:xfrm>
-            <a:off x="1637558" y="3129177"/>
+            <a:off x="1831055" y="2878675"/>
             <a:ext cx="8490009" cy="740771"/>
           </a:xfrm>
           <a:prstGeom prst="roundRect">
@@ -8329,118 +8165,21 @@
                             </p:childTnLst>
                           </p:cTn>
                         </p:par>
-                      </p:childTnLst>
-                    </p:cTn>
-                  </p:par>
-                  <p:par>
-                    <p:cTn id="22" fill="hold">
-                      <p:stCondLst>
-                        <p:cond delay="indefinite"/>
-                      </p:stCondLst>
-                      <p:childTnLst>
                         <p:par>
-                          <p:cTn id="23" fill="hold">
-                            <p:stCondLst>
-                              <p:cond delay="0"/>
-                            </p:stCondLst>
-                            <p:childTnLst>
-                              <p:par>
-                                <p:cTn id="24" presetID="10" presetClass="entr" presetSubtype="0" fill="hold" nodeType="clickEffect">
-                                  <p:stCondLst>
-                                    <p:cond delay="0"/>
-                                  </p:stCondLst>
-                                  <p:childTnLst>
-                                    <p:set>
-                                      <p:cBhvr>
-                                        <p:cTn id="25" dur="1" fill="hold">
-                                          <p:stCondLst>
-                                            <p:cond delay="0"/>
-                                          </p:stCondLst>
-                                        </p:cTn>
-                                        <p:tgtEl>
-                                          <p:spTgt spid="16"/>
-                                        </p:tgtEl>
-                                        <p:attrNameLst>
-                                          <p:attrName>style.visibility</p:attrName>
-                                        </p:attrNameLst>
-                                      </p:cBhvr>
-                                      <p:to>
-                                        <p:strVal val="visible"/>
-                                      </p:to>
-                                    </p:set>
-                                    <p:animEffect transition="in" filter="fade">
-                                      <p:cBhvr>
-                                        <p:cTn id="26" dur="500"/>
-                                        <p:tgtEl>
-                                          <p:spTgt spid="16"/>
-                                        </p:tgtEl>
-                                      </p:cBhvr>
-                                    </p:animEffect>
-                                  </p:childTnLst>
-                                </p:cTn>
-                              </p:par>
-                            </p:childTnLst>
-                          </p:cTn>
-                        </p:par>
-                        <p:par>
-                          <p:cTn id="27" fill="hold">
+                          <p:cTn id="22" fill="hold">
                             <p:stCondLst>
                               <p:cond delay="500"/>
                             </p:stCondLst>
                             <p:childTnLst>
                               <p:par>
-                                <p:cTn id="28" presetID="10" presetClass="entr" presetSubtype="0" fill="hold" nodeType="afterEffect">
+                                <p:cTn id="23" presetID="10" presetClass="entr" presetSubtype="0" fill="hold" nodeType="afterEffect">
                                   <p:stCondLst>
                                     <p:cond delay="250"/>
                                   </p:stCondLst>
                                   <p:childTnLst>
                                     <p:set>
                                       <p:cBhvr>
-                                        <p:cTn id="29" dur="1" fill="hold">
-                                          <p:stCondLst>
-                                            <p:cond delay="0"/>
-                                          </p:stCondLst>
-                                        </p:cTn>
-                                        <p:tgtEl>
-                                          <p:spTgt spid="18"/>
-                                        </p:tgtEl>
-                                        <p:attrNameLst>
-                                          <p:attrName>style.visibility</p:attrName>
-                                        </p:attrNameLst>
-                                      </p:cBhvr>
-                                      <p:to>
-                                        <p:strVal val="visible"/>
-                                      </p:to>
-                                    </p:set>
-                                    <p:animEffect transition="in" filter="fade">
-                                      <p:cBhvr>
-                                        <p:cTn id="30" dur="500"/>
-                                        <p:tgtEl>
-                                          <p:spTgt spid="18"/>
-                                        </p:tgtEl>
-                                      </p:cBhvr>
-                                    </p:animEffect>
-                                  </p:childTnLst>
-                                </p:cTn>
-                              </p:par>
-                            </p:childTnLst>
-                          </p:cTn>
-                        </p:par>
-                        <p:par>
-                          <p:cTn id="31" fill="hold">
-                            <p:stCondLst>
-                              <p:cond delay="1250"/>
-                            </p:stCondLst>
-                            <p:childTnLst>
-                              <p:par>
-                                <p:cTn id="32" presetID="10" presetClass="entr" presetSubtype="0" fill="hold" nodeType="afterEffect">
-                                  <p:stCondLst>
-                                    <p:cond delay="250"/>
-                                  </p:stCondLst>
-                                  <p:childTnLst>
-                                    <p:set>
-                                      <p:cBhvr>
-                                        <p:cTn id="33" dur="1" fill="hold">
+                                        <p:cTn id="24" dur="1" fill="hold">
                                           <p:stCondLst>
                                             <p:cond delay="0"/>
                                           </p:stCondLst>
@@ -8458,7 +8197,7 @@
                                     </p:set>
                                     <p:animEffect transition="in" filter="fade">
                                       <p:cBhvr>
-                                        <p:cTn id="34" dur="500"/>
+                                        <p:cTn id="25" dur="500"/>
                                         <p:tgtEl>
                                           <p:spTgt spid="12"/>
                                         </p:tgtEl>
@@ -8471,20 +8210,20 @@
                           </p:cTn>
                         </p:par>
                         <p:par>
-                          <p:cTn id="35" fill="hold">
+                          <p:cTn id="26" fill="hold">
                             <p:stCondLst>
-                              <p:cond delay="2000"/>
+                              <p:cond delay="1250"/>
                             </p:stCondLst>
                             <p:childTnLst>
                               <p:par>
-                                <p:cTn id="36" presetID="10" presetClass="entr" presetSubtype="0" fill="hold" grpId="0" nodeType="afterEffect">
+                                <p:cTn id="27" presetID="10" presetClass="entr" presetSubtype="0" fill="hold" grpId="0" nodeType="afterEffect">
                                   <p:stCondLst>
                                     <p:cond delay="0"/>
                                   </p:stCondLst>
                                   <p:childTnLst>
                                     <p:set>
                                       <p:cBhvr>
-                                        <p:cTn id="37" dur="1" fill="hold">
+                                        <p:cTn id="28" dur="1" fill="hold">
                                           <p:stCondLst>
                                             <p:cond delay="0"/>
                                           </p:stCondLst>
@@ -8502,7 +8241,7 @@
                                     </p:set>
                                     <p:animEffect transition="in" filter="fade">
                                       <p:cBhvr>
-                                        <p:cTn id="38" dur="500"/>
+                                        <p:cTn id="29" dur="500"/>
                                         <p:tgtEl>
                                           <p:spTgt spid="13"/>
                                         </p:tgtEl>
@@ -8514,74 +8253,21 @@
                             </p:childTnLst>
                           </p:cTn>
                         </p:par>
-                      </p:childTnLst>
-                    </p:cTn>
-                  </p:par>
-                  <p:par>
-                    <p:cTn id="39" fill="hold">
-                      <p:stCondLst>
-                        <p:cond delay="indefinite"/>
-                      </p:stCondLst>
-                      <p:childTnLst>
                         <p:par>
-                          <p:cTn id="40" fill="hold">
+                          <p:cTn id="30" fill="hold">
                             <p:stCondLst>
-                              <p:cond delay="0"/>
+                              <p:cond delay="1750"/>
                             </p:stCondLst>
                             <p:childTnLst>
                               <p:par>
-                                <p:cTn id="41" presetID="10" presetClass="entr" presetSubtype="0" fill="hold" nodeType="clickEffect">
+                                <p:cTn id="31" presetID="10" presetClass="entr" presetSubtype="0" fill="hold" grpId="0" nodeType="afterEffect">
                                   <p:stCondLst>
                                     <p:cond delay="0"/>
                                   </p:stCondLst>
                                   <p:childTnLst>
                                     <p:set>
                                       <p:cBhvr>
-                                        <p:cTn id="42" dur="1" fill="hold">
-                                          <p:stCondLst>
-                                            <p:cond delay="0"/>
-                                          </p:stCondLst>
-                                        </p:cTn>
-                                        <p:tgtEl>
-                                          <p:spTgt spid="21"/>
-                                        </p:tgtEl>
-                                        <p:attrNameLst>
-                                          <p:attrName>style.visibility</p:attrName>
-                                        </p:attrNameLst>
-                                      </p:cBhvr>
-                                      <p:to>
-                                        <p:strVal val="visible"/>
-                                      </p:to>
-                                    </p:set>
-                                    <p:animEffect transition="in" filter="fade">
-                                      <p:cBhvr>
-                                        <p:cTn id="43" dur="500"/>
-                                        <p:tgtEl>
-                                          <p:spTgt spid="21"/>
-                                        </p:tgtEl>
-                                      </p:cBhvr>
-                                    </p:animEffect>
-                                  </p:childTnLst>
-                                </p:cTn>
-                              </p:par>
-                            </p:childTnLst>
-                          </p:cTn>
-                        </p:par>
-                        <p:par>
-                          <p:cTn id="44" fill="hold">
-                            <p:stCondLst>
-                              <p:cond delay="500"/>
-                            </p:stCondLst>
-                            <p:childTnLst>
-                              <p:par>
-                                <p:cTn id="45" presetID="10" presetClass="entr" presetSubtype="0" fill="hold" grpId="0" nodeType="afterEffect">
-                                  <p:stCondLst>
-                                    <p:cond delay="0"/>
-                                  </p:stCondLst>
-                                  <p:childTnLst>
-                                    <p:set>
-                                      <p:cBhvr>
-                                        <p:cTn id="46" dur="1" fill="hold">
+                                        <p:cTn id="32" dur="1" fill="hold">
                                           <p:stCondLst>
                                             <p:cond delay="0"/>
                                           </p:stCondLst>
@@ -8599,7 +8285,7 @@
                                     </p:set>
                                     <p:animEffect transition="in" filter="fade">
                                       <p:cBhvr>
-                                        <p:cTn id="47" dur="500"/>
+                                        <p:cTn id="33" dur="500"/>
                                         <p:tgtEl>
                                           <p:spTgt spid="15"/>
                                         </p:tgtEl>
@@ -8612,64 +8298,20 @@
                           </p:cTn>
                         </p:par>
                         <p:par>
-                          <p:cTn id="48" fill="hold">
+                          <p:cTn id="34" fill="hold">
                             <p:stCondLst>
-                              <p:cond delay="1000"/>
+                              <p:cond delay="2250"/>
                             </p:stCondLst>
                             <p:childTnLst>
                               <p:par>
-                                <p:cTn id="49" presetID="10" presetClass="entr" presetSubtype="0" fill="hold" nodeType="afterEffect">
+                                <p:cTn id="35" presetID="10" presetClass="entr" presetSubtype="0" fill="hold" nodeType="afterEffect">
                                   <p:stCondLst>
                                     <p:cond delay="0"/>
                                   </p:stCondLst>
                                   <p:childTnLst>
                                     <p:set>
                                       <p:cBhvr>
-                                        <p:cTn id="50" dur="1" fill="hold">
-                                          <p:stCondLst>
-                                            <p:cond delay="0"/>
-                                          </p:stCondLst>
-                                        </p:cTn>
-                                        <p:tgtEl>
-                                          <p:spTgt spid="22"/>
-                                        </p:tgtEl>
-                                        <p:attrNameLst>
-                                          <p:attrName>style.visibility</p:attrName>
-                                        </p:attrNameLst>
-                                      </p:cBhvr>
-                                      <p:to>
-                                        <p:strVal val="visible"/>
-                                      </p:to>
-                                    </p:set>
-                                    <p:animEffect transition="in" filter="fade">
-                                      <p:cBhvr>
-                                        <p:cTn id="51" dur="500"/>
-                                        <p:tgtEl>
-                                          <p:spTgt spid="22"/>
-                                        </p:tgtEl>
-                                      </p:cBhvr>
-                                    </p:animEffect>
-                                  </p:childTnLst>
-                                </p:cTn>
-                              </p:par>
-                            </p:childTnLst>
-                          </p:cTn>
-                        </p:par>
-                        <p:par>
-                          <p:cTn id="52" fill="hold">
-                            <p:stCondLst>
-                              <p:cond delay="1500"/>
-                            </p:stCondLst>
-                            <p:childTnLst>
-                              <p:par>
-                                <p:cTn id="53" presetID="10" presetClass="entr" presetSubtype="0" fill="hold" nodeType="afterEffect">
-                                  <p:stCondLst>
-                                    <p:cond delay="0"/>
-                                  </p:stCondLst>
-                                  <p:childTnLst>
-                                    <p:set>
-                                      <p:cBhvr>
-                                        <p:cTn id="54" dur="1" fill="hold">
+                                        <p:cTn id="36" dur="1" fill="hold">
                                           <p:stCondLst>
                                             <p:cond delay="0"/>
                                           </p:stCondLst>
@@ -8687,7 +8329,7 @@
                                     </p:set>
                                     <p:animEffect transition="in" filter="fade">
                                       <p:cBhvr>
-                                        <p:cTn id="55" dur="500"/>
+                                        <p:cTn id="37" dur="500"/>
                                         <p:tgtEl>
                                           <p:spTgt spid="20"/>
                                         </p:tgtEl>
@@ -8703,26 +8345,26 @@
                     </p:cTn>
                   </p:par>
                   <p:par>
-                    <p:cTn id="56" fill="hold">
+                    <p:cTn id="38" fill="hold">
                       <p:stCondLst>
                         <p:cond delay="indefinite"/>
                       </p:stCondLst>
                       <p:childTnLst>
                         <p:par>
-                          <p:cTn id="57" fill="hold">
+                          <p:cTn id="39" fill="hold">
                             <p:stCondLst>
                               <p:cond delay="0"/>
                             </p:stCondLst>
                             <p:childTnLst>
                               <p:par>
-                                <p:cTn id="58" presetID="10" presetClass="entr" presetSubtype="0" fill="hold" grpId="0" nodeType="clickEffect">
+                                <p:cTn id="40" presetID="10" presetClass="entr" presetSubtype="0" fill="hold" grpId="0" nodeType="clickEffect">
                                   <p:stCondLst>
                                     <p:cond delay="0"/>
                                   </p:stCondLst>
                                   <p:childTnLst>
                                     <p:set>
                                       <p:cBhvr>
-                                        <p:cTn id="59" dur="1" fill="hold">
+                                        <p:cTn id="41" dur="1" fill="hold">
                                           <p:stCondLst>
                                             <p:cond delay="0"/>
                                           </p:stCondLst>
@@ -8740,7 +8382,7 @@
                                     </p:set>
                                     <p:animEffect transition="in" filter="fade">
                                       <p:cBhvr>
-                                        <p:cTn id="60" dur="500"/>
+                                        <p:cTn id="42" dur="500"/>
                                         <p:tgtEl>
                                           <p:spTgt spid="25"/>
                                         </p:tgtEl>
@@ -8756,26 +8398,26 @@
                     </p:cTn>
                   </p:par>
                   <p:par>
-                    <p:cTn id="61" fill="hold">
+                    <p:cTn id="43" fill="hold">
                       <p:stCondLst>
                         <p:cond delay="indefinite"/>
                       </p:stCondLst>
                       <p:childTnLst>
                         <p:par>
-                          <p:cTn id="62" fill="hold">
+                          <p:cTn id="44" fill="hold">
                             <p:stCondLst>
                               <p:cond delay="0"/>
                             </p:stCondLst>
                             <p:childTnLst>
                               <p:par>
-                                <p:cTn id="63" presetID="6" presetClass="entr" presetSubtype="16" fill="hold" grpId="0" nodeType="clickEffect">
+                                <p:cTn id="45" presetID="6" presetClass="entr" presetSubtype="16" fill="hold" grpId="0" nodeType="clickEffect">
                                   <p:stCondLst>
                                     <p:cond delay="0"/>
                                   </p:stCondLst>
                                   <p:childTnLst>
                                     <p:set>
                                       <p:cBhvr>
-                                        <p:cTn id="64" dur="1" fill="hold">
+                                        <p:cTn id="46" dur="1" fill="hold">
                                           <p:stCondLst>
                                             <p:cond delay="0"/>
                                           </p:stCondLst>
@@ -8793,7 +8435,7 @@
                                     </p:set>
                                     <p:animEffect transition="in" filter="circle(in)">
                                       <p:cBhvr>
-                                        <p:cTn id="65" dur="1000"/>
+                                        <p:cTn id="47" dur="1000"/>
                                         <p:tgtEl>
                                           <p:spTgt spid="26"/>
                                         </p:tgtEl>
@@ -8806,20 +8448,20 @@
                           </p:cTn>
                         </p:par>
                         <p:par>
-                          <p:cTn id="66" fill="hold">
+                          <p:cTn id="48" fill="hold">
                             <p:stCondLst>
                               <p:cond delay="1000"/>
                             </p:stCondLst>
                             <p:childTnLst>
                               <p:par>
-                                <p:cTn id="67" presetID="6" presetClass="entr" presetSubtype="16" fill="hold" grpId="0" nodeType="afterEffect">
+                                <p:cTn id="49" presetID="6" presetClass="entr" presetSubtype="16" fill="hold" grpId="0" nodeType="afterEffect">
                                   <p:stCondLst>
                                     <p:cond delay="750"/>
                                   </p:stCondLst>
                                   <p:childTnLst>
                                     <p:set>
                                       <p:cBhvr>
-                                        <p:cTn id="68" dur="1" fill="hold">
+                                        <p:cTn id="50" dur="1" fill="hold">
                                           <p:stCondLst>
                                             <p:cond delay="0"/>
                                           </p:stCondLst>
@@ -8837,7 +8479,7 @@
                                     </p:set>
                                     <p:animEffect transition="in" filter="circle(in)">
                                       <p:cBhvr>
-                                        <p:cTn id="69" dur="1000"/>
+                                        <p:cTn id="51" dur="1000"/>
                                         <p:tgtEl>
                                           <p:spTgt spid="27"/>
                                         </p:tgtEl>
@@ -8850,20 +8492,20 @@
                           </p:cTn>
                         </p:par>
                         <p:par>
-                          <p:cTn id="70" fill="hold">
+                          <p:cTn id="52" fill="hold">
                             <p:stCondLst>
                               <p:cond delay="2750"/>
                             </p:stCondLst>
                             <p:childTnLst>
                               <p:par>
-                                <p:cTn id="71" presetID="6" presetClass="entr" presetSubtype="16" fill="hold" grpId="0" nodeType="afterEffect">
+                                <p:cTn id="53" presetID="6" presetClass="entr" presetSubtype="16" fill="hold" grpId="0" nodeType="afterEffect">
                                   <p:stCondLst>
                                     <p:cond delay="750"/>
                                   </p:stCondLst>
                                   <p:childTnLst>
                                     <p:set>
                                       <p:cBhvr>
-                                        <p:cTn id="72" dur="1" fill="hold">
+                                        <p:cTn id="54" dur="1" fill="hold">
                                           <p:stCondLst>
                                             <p:cond delay="0"/>
                                           </p:stCondLst>
@@ -8881,7 +8523,7 @@
                                     </p:set>
                                     <p:animEffect transition="in" filter="circle(in)">
                                       <p:cBhvr>
-                                        <p:cTn id="73" dur="1000"/>
+                                        <p:cTn id="55" dur="1000"/>
                                         <p:tgtEl>
                                           <p:spTgt spid="28"/>
                                         </p:tgtEl>
